--- a/2021-12-16 ABP Community Talks/Abp-Framework-Inbox-Outbox.pptx
+++ b/2021-12-16 ABP Community Talks/Abp-Framework-Inbox-Outbox.pptx
@@ -6,10 +6,12 @@
   </p:sldMasterIdLst>
   <p:sldIdLst>
     <p:sldId id="256" r:id="rId2"/>
-    <p:sldId id="268" r:id="rId3"/>
-    <p:sldId id="283" r:id="rId4"/>
-    <p:sldId id="282" r:id="rId5"/>
-    <p:sldId id="277" r:id="rId6"/>
+    <p:sldId id="277" r:id="rId3"/>
+    <p:sldId id="288" r:id="rId4"/>
+    <p:sldId id="289" r:id="rId5"/>
+    <p:sldId id="290" r:id="rId6"/>
+    <p:sldId id="283" r:id="rId7"/>
+    <p:sldId id="282" r:id="rId8"/>
   </p:sldIdLst>
   <p:sldSz cx="12192000" cy="6858000"/>
   <p:notesSz cx="6858000" cy="9144000"/>
@@ -274,7 +276,7 @@
           <a:p>
             <a:fld id="{6E55BB2C-5B2D-4037-B839-55AA2FC69FC2}" type="datetimeFigureOut">
               <a:rPr lang="tr-TR" smtClean="0"/>
-              <a:t>18.11.2021</a:t>
+              <a:t>22.11.2021</a:t>
             </a:fld>
             <a:endParaRPr lang="tr-TR"/>
           </a:p>
@@ -472,7 +474,7 @@
           <a:p>
             <a:fld id="{6E55BB2C-5B2D-4037-B839-55AA2FC69FC2}" type="datetimeFigureOut">
               <a:rPr lang="tr-TR" smtClean="0"/>
-              <a:t>18.11.2021</a:t>
+              <a:t>22.11.2021</a:t>
             </a:fld>
             <a:endParaRPr lang="tr-TR"/>
           </a:p>
@@ -680,7 +682,7 @@
           <a:p>
             <a:fld id="{6E55BB2C-5B2D-4037-B839-55AA2FC69FC2}" type="datetimeFigureOut">
               <a:rPr lang="tr-TR" smtClean="0"/>
-              <a:t>18.11.2021</a:t>
+              <a:t>22.11.2021</a:t>
             </a:fld>
             <a:endParaRPr lang="tr-TR"/>
           </a:p>
@@ -878,7 +880,7 @@
           <a:p>
             <a:fld id="{6E55BB2C-5B2D-4037-B839-55AA2FC69FC2}" type="datetimeFigureOut">
               <a:rPr lang="tr-TR" smtClean="0"/>
-              <a:t>18.11.2021</a:t>
+              <a:t>22.11.2021</a:t>
             </a:fld>
             <a:endParaRPr lang="tr-TR"/>
           </a:p>
@@ -1153,7 +1155,7 @@
           <a:p>
             <a:fld id="{6E55BB2C-5B2D-4037-B839-55AA2FC69FC2}" type="datetimeFigureOut">
               <a:rPr lang="tr-TR" smtClean="0"/>
-              <a:t>18.11.2021</a:t>
+              <a:t>22.11.2021</a:t>
             </a:fld>
             <a:endParaRPr lang="tr-TR"/>
           </a:p>
@@ -1418,7 +1420,7 @@
           <a:p>
             <a:fld id="{6E55BB2C-5B2D-4037-B839-55AA2FC69FC2}" type="datetimeFigureOut">
               <a:rPr lang="tr-TR" smtClean="0"/>
-              <a:t>18.11.2021</a:t>
+              <a:t>22.11.2021</a:t>
             </a:fld>
             <a:endParaRPr lang="tr-TR"/>
           </a:p>
@@ -1830,7 +1832,7 @@
           <a:p>
             <a:fld id="{6E55BB2C-5B2D-4037-B839-55AA2FC69FC2}" type="datetimeFigureOut">
               <a:rPr lang="tr-TR" smtClean="0"/>
-              <a:t>18.11.2021</a:t>
+              <a:t>22.11.2021</a:t>
             </a:fld>
             <a:endParaRPr lang="tr-TR"/>
           </a:p>
@@ -1971,7 +1973,7 @@
           <a:p>
             <a:fld id="{6E55BB2C-5B2D-4037-B839-55AA2FC69FC2}" type="datetimeFigureOut">
               <a:rPr lang="tr-TR" smtClean="0"/>
-              <a:t>18.11.2021</a:t>
+              <a:t>22.11.2021</a:t>
             </a:fld>
             <a:endParaRPr lang="tr-TR"/>
           </a:p>
@@ -2084,7 +2086,7 @@
           <a:p>
             <a:fld id="{6E55BB2C-5B2D-4037-B839-55AA2FC69FC2}" type="datetimeFigureOut">
               <a:rPr lang="tr-TR" smtClean="0"/>
-              <a:t>18.11.2021</a:t>
+              <a:t>22.11.2021</a:t>
             </a:fld>
             <a:endParaRPr lang="tr-TR"/>
           </a:p>
@@ -2395,7 +2397,7 @@
           <a:p>
             <a:fld id="{6E55BB2C-5B2D-4037-B839-55AA2FC69FC2}" type="datetimeFigureOut">
               <a:rPr lang="tr-TR" smtClean="0"/>
-              <a:t>18.11.2021</a:t>
+              <a:t>22.11.2021</a:t>
             </a:fld>
             <a:endParaRPr lang="tr-TR"/>
           </a:p>
@@ -2683,7 +2685,7 @@
           <a:p>
             <a:fld id="{6E55BB2C-5B2D-4037-B839-55AA2FC69FC2}" type="datetimeFigureOut">
               <a:rPr lang="tr-TR" smtClean="0"/>
-              <a:t>18.11.2021</a:t>
+              <a:t>22.11.2021</a:t>
             </a:fld>
             <a:endParaRPr lang="tr-TR"/>
           </a:p>
@@ -2924,7 +2926,7 @@
           <a:p>
             <a:fld id="{6E55BB2C-5B2D-4037-B839-55AA2FC69FC2}" type="datetimeFigureOut">
               <a:rPr lang="tr-TR" smtClean="0"/>
-              <a:t>18.11.2021</a:t>
+              <a:t>22.11.2021</a:t>
             </a:fld>
             <a:endParaRPr lang="tr-TR"/>
           </a:p>
@@ -3396,7 +3398,17 @@
                 <a:latin typeface="Segoe UI Semibold" panose="020B0702040204020203" pitchFamily="34" charset="0"/>
                 <a:cs typeface="Segoe UI Semibold" panose="020B0702040204020203" pitchFamily="34" charset="0"/>
               </a:rPr>
-              <a:t>Exploring the ABP Framework</a:t>
+              <a:t>outbox / inbox patterns for the distributed </a:t>
+            </a:r>
+            <a:r>
+              <a:rPr lang="en-US" sz="5400" dirty="0" err="1">
+                <a:solidFill>
+                  <a:schemeClr val="bg1"/>
+                </a:solidFill>
+                <a:latin typeface="Segoe UI Semibold" panose="020B0702040204020203" pitchFamily="34" charset="0"/>
+                <a:cs typeface="Segoe UI Semibold" panose="020B0702040204020203" pitchFamily="34" charset="0"/>
+              </a:rPr>
+              <a:t>dvents</a:t>
             </a:r>
             <a:endParaRPr lang="tr-TR" sz="5400" dirty="0">
               <a:solidFill>
@@ -3574,7 +3586,7 @@
         </p:spPr>
         <p:txBody>
           <a:bodyPr anchor="ctr">
-            <a:normAutofit/>
+            <a:normAutofit fontScale="90000"/>
           </a:bodyPr>
           <a:lstStyle/>
           <a:p>
@@ -3587,7 +3599,7 @@
                 <a:latin typeface="Segoe UI Semibold" panose="020B0702040204020203" pitchFamily="34" charset="0"/>
                 <a:cs typeface="Segoe UI Semibold" panose="020B0702040204020203" pitchFamily="34" charset="0"/>
               </a:rPr>
-              <a:t>Inter-microservice messaging</a:t>
+              <a:t>The transaction problem of distributed events</a:t>
             </a:r>
             <a:endParaRPr lang="tr-TR" sz="4000" dirty="0">
               <a:solidFill>
@@ -3599,748 +3611,274 @@
       </p:sp>
       <p:sp>
         <p:nvSpPr>
-          <p:cNvPr id="5" name="Rectangle 4">
-            <a:extLst>
-              <a:ext uri="{FF2B5EF4-FFF2-40B4-BE49-F238E27FC236}">
-                <a16:creationId xmlns:a16="http://schemas.microsoft.com/office/drawing/2014/main" id="{1892FD6B-79D4-4A03-BFFA-7F685BF25C41}"/>
-              </a:ext>
-            </a:extLst>
-          </p:cNvPr>
-          <p:cNvSpPr/>
+          <p:cNvPr id="4" name="Başlık 1">
+            <a:extLst>
+              <a:ext uri="{FF2B5EF4-FFF2-40B4-BE49-F238E27FC236}">
+                <a16:creationId xmlns:a16="http://schemas.microsoft.com/office/drawing/2014/main" id="{96A1982A-6408-4D1D-8BA5-BE7B17D51BB4}"/>
+              </a:ext>
+            </a:extLst>
+          </p:cNvPr>
+          <p:cNvSpPr txBox="1">
+            <a:spLocks/>
+          </p:cNvSpPr>
           <p:nvPr/>
         </p:nvSpPr>
         <p:spPr>
           <a:xfrm>
-            <a:off x="1518613" y="2289874"/>
-            <a:ext cx="2300785" cy="317266"/>
+            <a:off x="952500" y="1952625"/>
+            <a:ext cx="10287000" cy="4286250"/>
           </a:xfrm>
           <a:prstGeom prst="rect">
             <a:avLst/>
           </a:prstGeom>
         </p:spPr>
-        <p:style>
-          <a:lnRef idx="2">
-            <a:schemeClr val="accent1">
-              <a:shade val="50000"/>
-            </a:schemeClr>
-          </a:lnRef>
-          <a:fillRef idx="1">
-            <a:schemeClr val="accent1"/>
-          </a:fillRef>
-          <a:effectRef idx="0">
-            <a:schemeClr val="accent1"/>
-          </a:effectRef>
-          <a:fontRef idx="minor">
-            <a:schemeClr val="lt1"/>
-          </a:fontRef>
-        </p:style>
-        <p:txBody>
-          <a:bodyPr rtlCol="0" anchor="ctr"/>
-          <a:lstStyle/>
-          <a:p>
-            <a:pPr algn="ctr"/>
-            <a:r>
-              <a:rPr lang="en-US" sz="1600" dirty="0"/>
-              <a:t>Microservice A</a:t>
-            </a:r>
-          </a:p>
-        </p:txBody>
-      </p:sp>
-      <p:sp>
-        <p:nvSpPr>
-          <p:cNvPr id="6" name="Rectangle 5">
-            <a:extLst>
-              <a:ext uri="{FF2B5EF4-FFF2-40B4-BE49-F238E27FC236}">
-                <a16:creationId xmlns:a16="http://schemas.microsoft.com/office/drawing/2014/main" id="{6A579E90-F20C-4CE9-BA0B-8B010FEBF154}"/>
-              </a:ext>
-            </a:extLst>
-          </p:cNvPr>
-          <p:cNvSpPr/>
-          <p:nvPr/>
-        </p:nvSpPr>
-        <p:spPr>
-          <a:xfrm>
-            <a:off x="7979860" y="2298851"/>
-            <a:ext cx="2300785" cy="317266"/>
-          </a:xfrm>
-          <a:prstGeom prst="rect">
-            <a:avLst/>
-          </a:prstGeom>
-        </p:spPr>
-        <p:style>
-          <a:lnRef idx="2">
-            <a:schemeClr val="accent1">
-              <a:shade val="50000"/>
-            </a:schemeClr>
-          </a:lnRef>
-          <a:fillRef idx="1">
-            <a:schemeClr val="accent1"/>
-          </a:fillRef>
-          <a:effectRef idx="0">
-            <a:schemeClr val="accent1"/>
-          </a:effectRef>
-          <a:fontRef idx="minor">
-            <a:schemeClr val="lt1"/>
-          </a:fontRef>
-        </p:style>
-        <p:txBody>
-          <a:bodyPr rtlCol="0" anchor="ctr"/>
-          <a:lstStyle/>
-          <a:p>
-            <a:pPr algn="ctr"/>
-            <a:r>
-              <a:rPr lang="en-US" sz="1600" dirty="0"/>
-              <a:t>Microservice B</a:t>
-            </a:r>
-          </a:p>
-        </p:txBody>
-      </p:sp>
-      <p:sp>
-        <p:nvSpPr>
-          <p:cNvPr id="7" name="Rectangle 6">
-            <a:extLst>
-              <a:ext uri="{FF2B5EF4-FFF2-40B4-BE49-F238E27FC236}">
-                <a16:creationId xmlns:a16="http://schemas.microsoft.com/office/drawing/2014/main" id="{8D67AD2A-B946-4DB2-B1CA-A9148230C3B3}"/>
-              </a:ext>
-            </a:extLst>
-          </p:cNvPr>
-          <p:cNvSpPr/>
-          <p:nvPr/>
-        </p:nvSpPr>
-        <p:spPr>
-          <a:xfrm>
-            <a:off x="4749237" y="3319538"/>
-            <a:ext cx="2300785" cy="577114"/>
-          </a:xfrm>
-          <a:prstGeom prst="rect">
-            <a:avLst/>
-          </a:prstGeom>
-        </p:spPr>
-        <p:style>
-          <a:lnRef idx="2">
-            <a:schemeClr val="accent2">
-              <a:shade val="50000"/>
-            </a:schemeClr>
-          </a:lnRef>
-          <a:fillRef idx="1">
-            <a:schemeClr val="accent2"/>
-          </a:fillRef>
-          <a:effectRef idx="0">
-            <a:schemeClr val="accent2"/>
-          </a:effectRef>
-          <a:fontRef idx="minor">
-            <a:schemeClr val="lt1"/>
-          </a:fontRef>
-        </p:style>
-        <p:txBody>
-          <a:bodyPr rtlCol="0" anchor="ctr"/>
-          <a:lstStyle/>
-          <a:p>
-            <a:pPr algn="ctr"/>
-            <a:r>
-              <a:rPr lang="en-US" sz="1600" dirty="0"/>
-              <a:t>Message Broker</a:t>
-            </a:r>
-          </a:p>
-          <a:p>
-            <a:pPr algn="ctr"/>
-            <a:r>
-              <a:rPr lang="en-US" sz="1200" dirty="0"/>
-              <a:t>(RabbitMQ, Kafka, </a:t>
-            </a:r>
-            <a:r>
-              <a:rPr lang="en-US" sz="1200" dirty="0" err="1"/>
-              <a:t>etc</a:t>
-            </a:r>
-            <a:r>
-              <a:rPr lang="en-US" sz="1200" dirty="0"/>
-              <a:t>)</a:t>
-            </a:r>
-          </a:p>
-        </p:txBody>
-      </p:sp>
-      <p:pic>
-        <p:nvPicPr>
-          <p:cNvPr id="8" name="Picture 7" descr="Shape&#10;&#10;Description automatically generated">
-            <a:extLst>
-              <a:ext uri="{FF2B5EF4-FFF2-40B4-BE49-F238E27FC236}">
-                <a16:creationId xmlns:a16="http://schemas.microsoft.com/office/drawing/2014/main" id="{3440A574-FD12-4AB9-831A-944892A532D7}"/>
-              </a:ext>
-            </a:extLst>
-          </p:cNvPr>
-          <p:cNvPicPr>
-            <a:picLocks noChangeAspect="1"/>
-          </p:cNvPicPr>
-          <p:nvPr/>
-        </p:nvPicPr>
-        <p:blipFill>
-          <a:blip r:embed="rId3">
-            <a:extLst>
-              <a:ext uri="{28A0092B-C50C-407E-A947-70E740481C1C}">
-                <a14:useLocalDpi xmlns:a14="http://schemas.microsoft.com/office/drawing/2010/main" val="0"/>
-              </a:ext>
-            </a:extLst>
-          </a:blip>
-          <a:stretch>
-            <a:fillRect/>
-          </a:stretch>
-        </p:blipFill>
-        <p:spPr>
-          <a:xfrm>
-            <a:off x="1637711" y="4591851"/>
-            <a:ext cx="863600" cy="863600"/>
-          </a:xfrm>
-          <a:prstGeom prst="rect">
-            <a:avLst/>
-          </a:prstGeom>
-        </p:spPr>
-      </p:pic>
-      <p:pic>
-        <p:nvPicPr>
-          <p:cNvPr id="9" name="Picture 8" descr="Shape&#10;&#10;Description automatically generated">
-            <a:extLst>
-              <a:ext uri="{FF2B5EF4-FFF2-40B4-BE49-F238E27FC236}">
-                <a16:creationId xmlns:a16="http://schemas.microsoft.com/office/drawing/2014/main" id="{24006FA8-70CD-4133-B3CE-C5CC943ECDC8}"/>
-              </a:ext>
-            </a:extLst>
-          </p:cNvPr>
-          <p:cNvPicPr>
-            <a:picLocks noChangeAspect="1"/>
-          </p:cNvPicPr>
-          <p:nvPr/>
-        </p:nvPicPr>
-        <p:blipFill>
-          <a:blip r:embed="rId3">
-            <a:extLst>
-              <a:ext uri="{28A0092B-C50C-407E-A947-70E740481C1C}">
-                <a14:useLocalDpi xmlns:a14="http://schemas.microsoft.com/office/drawing/2010/main" val="0"/>
-              </a:ext>
-            </a:extLst>
-          </a:blip>
-          <a:stretch>
-            <a:fillRect/>
-          </a:stretch>
-        </p:blipFill>
-        <p:spPr>
-          <a:xfrm>
-            <a:off x="9137769" y="4591851"/>
-            <a:ext cx="863600" cy="863600"/>
-          </a:xfrm>
-          <a:prstGeom prst="rect">
-            <a:avLst/>
-          </a:prstGeom>
-        </p:spPr>
-      </p:pic>
-      <p:cxnSp>
-        <p:nvCxnSpPr>
-          <p:cNvPr id="11" name="Straight Arrow Connector 10">
-            <a:extLst>
-              <a:ext uri="{FF2B5EF4-FFF2-40B4-BE49-F238E27FC236}">
-                <a16:creationId xmlns:a16="http://schemas.microsoft.com/office/drawing/2014/main" id="{935782B1-1054-4AA5-81CE-5AC443E242F3}"/>
-              </a:ext>
-            </a:extLst>
-          </p:cNvPr>
-          <p:cNvCxnSpPr>
-            <a:cxnSpLocks/>
-            <a:endCxn id="8" idx="0"/>
-          </p:cNvCxnSpPr>
-          <p:nvPr/>
-        </p:nvCxnSpPr>
-        <p:spPr>
-          <a:xfrm>
-            <a:off x="2065530" y="2606116"/>
-            <a:ext cx="3981" cy="1985735"/>
-          </a:xfrm>
-          <a:prstGeom prst="straightConnector1">
-            <a:avLst/>
-          </a:prstGeom>
-          <a:ln w="38100">
-            <a:solidFill>
-              <a:schemeClr val="tx1"/>
-            </a:solidFill>
-            <a:tailEnd type="triangle"/>
-          </a:ln>
-        </p:spPr>
-        <p:style>
-          <a:lnRef idx="1">
-            <a:schemeClr val="accent1"/>
-          </a:lnRef>
-          <a:fillRef idx="0">
-            <a:schemeClr val="accent1"/>
-          </a:fillRef>
-          <a:effectRef idx="0">
-            <a:schemeClr val="accent1"/>
-          </a:effectRef>
-          <a:fontRef idx="minor">
-            <a:schemeClr val="tx1"/>
-          </a:fontRef>
-        </p:style>
-      </p:cxnSp>
-      <p:cxnSp>
-        <p:nvCxnSpPr>
-          <p:cNvPr id="28" name="Straight Arrow Connector 27">
-            <a:extLst>
-              <a:ext uri="{FF2B5EF4-FFF2-40B4-BE49-F238E27FC236}">
-                <a16:creationId xmlns:a16="http://schemas.microsoft.com/office/drawing/2014/main" id="{95FF4C2C-B96B-4544-8317-DE1A17F3DCBD}"/>
-              </a:ext>
-            </a:extLst>
-          </p:cNvPr>
-          <p:cNvCxnSpPr>
-            <a:cxnSpLocks/>
-            <a:endCxn id="9" idx="0"/>
-          </p:cNvCxnSpPr>
-          <p:nvPr/>
-        </p:nvCxnSpPr>
-        <p:spPr>
-          <a:xfrm>
-            <a:off x="9551836" y="2616117"/>
-            <a:ext cx="17733" cy="1975734"/>
-          </a:xfrm>
-          <a:prstGeom prst="straightConnector1">
-            <a:avLst/>
-          </a:prstGeom>
-          <a:ln w="38100">
-            <a:solidFill>
-              <a:schemeClr val="tx1"/>
-            </a:solidFill>
-            <a:tailEnd type="triangle"/>
-          </a:ln>
-        </p:spPr>
-        <p:style>
-          <a:lnRef idx="1">
-            <a:schemeClr val="accent1"/>
-          </a:lnRef>
-          <a:fillRef idx="0">
-            <a:schemeClr val="accent1"/>
-          </a:fillRef>
-          <a:effectRef idx="0">
-            <a:schemeClr val="accent1"/>
-          </a:effectRef>
-          <a:fontRef idx="minor">
-            <a:schemeClr val="tx1"/>
-          </a:fontRef>
-        </p:style>
-      </p:cxnSp>
-      <p:sp>
-        <p:nvSpPr>
-          <p:cNvPr id="45" name="TextBox 44">
-            <a:extLst>
-              <a:ext uri="{FF2B5EF4-FFF2-40B4-BE49-F238E27FC236}">
-                <a16:creationId xmlns:a16="http://schemas.microsoft.com/office/drawing/2014/main" id="{2BA503EA-0865-4C5B-891F-C179489BAC98}"/>
-              </a:ext>
-            </a:extLst>
-          </p:cNvPr>
-          <p:cNvSpPr txBox="1"/>
-          <p:nvPr/>
-        </p:nvSpPr>
-        <p:spPr>
-          <a:xfrm rot="16200000">
-            <a:off x="1022748" y="3484729"/>
-            <a:ext cx="1690527" cy="369332"/>
-          </a:xfrm>
-          <a:prstGeom prst="rect">
-            <a:avLst/>
-          </a:prstGeom>
-          <a:noFill/>
-        </p:spPr>
-        <p:txBody>
-          <a:bodyPr wrap="none" rtlCol="0">
-            <a:spAutoFit/>
+        <p:txBody>
+          <a:bodyPr vert="horz" lIns="91440" tIns="45720" rIns="91440" bIns="45720" rtlCol="0" anchor="t">
+            <a:noAutofit/>
           </a:bodyPr>
-          <a:lstStyle/>
-          <a:p>
-            <a:r>
-              <a:rPr lang="en-US" dirty="0"/>
-              <a:t>application data</a:t>
-            </a:r>
-          </a:p>
-        </p:txBody>
-      </p:sp>
-      <p:sp>
-        <p:nvSpPr>
-          <p:cNvPr id="46" name="TextBox 45">
-            <a:extLst>
-              <a:ext uri="{FF2B5EF4-FFF2-40B4-BE49-F238E27FC236}">
-                <a16:creationId xmlns:a16="http://schemas.microsoft.com/office/drawing/2014/main" id="{01DB1F11-1CF8-4BB4-9F28-98DD698F8E4C}"/>
-              </a:ext>
-            </a:extLst>
-          </p:cNvPr>
-          <p:cNvSpPr txBox="1"/>
-          <p:nvPr/>
-        </p:nvSpPr>
-        <p:spPr>
-          <a:xfrm rot="16200000">
-            <a:off x="8858813" y="3485594"/>
-            <a:ext cx="1690527" cy="369332"/>
-          </a:xfrm>
-          <a:prstGeom prst="rect">
-            <a:avLst/>
-          </a:prstGeom>
-          <a:noFill/>
-        </p:spPr>
-        <p:txBody>
-          <a:bodyPr wrap="none" rtlCol="0">
-            <a:spAutoFit/>
-          </a:bodyPr>
-          <a:lstStyle/>
-          <a:p>
-            <a:r>
-              <a:rPr lang="en-US" dirty="0"/>
-              <a:t>application data</a:t>
-            </a:r>
-          </a:p>
-        </p:txBody>
-      </p:sp>
-      <p:sp>
-        <p:nvSpPr>
-          <p:cNvPr id="48" name="TextBox 47">
-            <a:extLst>
-              <a:ext uri="{FF2B5EF4-FFF2-40B4-BE49-F238E27FC236}">
-                <a16:creationId xmlns:a16="http://schemas.microsoft.com/office/drawing/2014/main" id="{FC41D173-7F7B-460B-AB4F-C9B511DBEB94}"/>
-              </a:ext>
-            </a:extLst>
-          </p:cNvPr>
-          <p:cNvSpPr txBox="1"/>
-          <p:nvPr/>
-        </p:nvSpPr>
-        <p:spPr>
-          <a:xfrm>
-            <a:off x="5004504" y="4198528"/>
-            <a:ext cx="1651286" cy="830997"/>
-          </a:xfrm>
-          <a:prstGeom prst="rect">
-            <a:avLst/>
-          </a:prstGeom>
-          <a:solidFill>
-            <a:schemeClr val="bg1">
-              <a:lumMod val="85000"/>
-            </a:schemeClr>
-          </a:solidFill>
-        </p:spPr>
-        <p:txBody>
-          <a:bodyPr wrap="none" rtlCol="0">
-            <a:spAutoFit/>
-          </a:bodyPr>
-          <a:lstStyle/>
-          <a:p>
-            <a:pPr algn="ctr"/>
-            <a:r>
-              <a:rPr lang="en-US" sz="1600" dirty="0"/>
-              <a:t>re-connect</a:t>
-            </a:r>
-          </a:p>
-          <a:p>
-            <a:pPr algn="ctr"/>
-            <a:r>
-              <a:rPr lang="en-US" sz="1600" dirty="0"/>
-              <a:t>re-try</a:t>
-            </a:r>
-          </a:p>
-          <a:p>
-            <a:pPr algn="ctr"/>
-            <a:r>
-              <a:rPr lang="en-US" sz="1600" dirty="0"/>
-              <a:t>publish/subscribe</a:t>
-            </a:r>
-          </a:p>
-        </p:txBody>
-      </p:sp>
-      <p:cxnSp>
-        <p:nvCxnSpPr>
-          <p:cNvPr id="50" name="Connector: Elbow 49">
-            <a:extLst>
-              <a:ext uri="{FF2B5EF4-FFF2-40B4-BE49-F238E27FC236}">
-                <a16:creationId xmlns:a16="http://schemas.microsoft.com/office/drawing/2014/main" id="{5BDB109F-BE6E-45BE-AE0D-2CCE7D8F91E4}"/>
-              </a:ext>
-            </a:extLst>
-          </p:cNvPr>
-          <p:cNvCxnSpPr>
-            <a:endCxn id="48" idx="1"/>
-          </p:cNvCxnSpPr>
-          <p:nvPr/>
-        </p:nvCxnSpPr>
-        <p:spPr>
-          <a:xfrm rot="16200000" flipH="1">
-            <a:off x="4229734" y="3839256"/>
-            <a:ext cx="1005119" cy="544421"/>
-          </a:xfrm>
-          <a:prstGeom prst="bentConnector2">
-            <a:avLst/>
-          </a:prstGeom>
-          <a:ln w="12700">
-            <a:solidFill>
-              <a:schemeClr val="bg1">
-                <a:lumMod val="65000"/>
-              </a:schemeClr>
-            </a:solidFill>
-          </a:ln>
-        </p:spPr>
-        <p:style>
-          <a:lnRef idx="1">
-            <a:schemeClr val="accent1"/>
-          </a:lnRef>
-          <a:fillRef idx="0">
-            <a:schemeClr val="accent1"/>
-          </a:fillRef>
-          <a:effectRef idx="0">
-            <a:schemeClr val="accent1"/>
-          </a:effectRef>
-          <a:fontRef idx="minor">
-            <a:schemeClr val="tx1"/>
-          </a:fontRef>
-        </p:style>
-      </p:cxnSp>
-      <p:cxnSp>
-        <p:nvCxnSpPr>
-          <p:cNvPr id="53" name="Connector: Elbow 52">
-            <a:extLst>
-              <a:ext uri="{FF2B5EF4-FFF2-40B4-BE49-F238E27FC236}">
-                <a16:creationId xmlns:a16="http://schemas.microsoft.com/office/drawing/2014/main" id="{D0920B45-43B5-4FB7-8785-2BB680A4BF08}"/>
-              </a:ext>
-            </a:extLst>
-          </p:cNvPr>
-          <p:cNvCxnSpPr>
-            <a:endCxn id="48" idx="3"/>
-          </p:cNvCxnSpPr>
-          <p:nvPr/>
-        </p:nvCxnSpPr>
-        <p:spPr>
-          <a:xfrm rot="5400000">
-            <a:off x="6495957" y="3770799"/>
-            <a:ext cx="1003062" cy="683395"/>
-          </a:xfrm>
-          <a:prstGeom prst="bentConnector2">
-            <a:avLst/>
-          </a:prstGeom>
-          <a:ln w="12700">
-            <a:solidFill>
-              <a:schemeClr val="bg1">
-                <a:lumMod val="65000"/>
-              </a:schemeClr>
-            </a:solidFill>
-          </a:ln>
-        </p:spPr>
-        <p:style>
-          <a:lnRef idx="1">
-            <a:schemeClr val="accent1"/>
-          </a:lnRef>
-          <a:fillRef idx="0">
-            <a:schemeClr val="accent1"/>
-          </a:fillRef>
-          <a:effectRef idx="0">
-            <a:schemeClr val="accent1"/>
-          </a:effectRef>
-          <a:fontRef idx="minor">
-            <a:schemeClr val="tx1"/>
-          </a:fontRef>
-        </p:style>
-      </p:cxnSp>
-      <p:sp>
-        <p:nvSpPr>
-          <p:cNvPr id="54" name="TextBox 53">
-            <a:extLst>
-              <a:ext uri="{FF2B5EF4-FFF2-40B4-BE49-F238E27FC236}">
-                <a16:creationId xmlns:a16="http://schemas.microsoft.com/office/drawing/2014/main" id="{BC2CC65B-A2C9-4FA1-B5A7-EB9ED9E6F264}"/>
-              </a:ext>
-            </a:extLst>
-          </p:cNvPr>
-          <p:cNvSpPr txBox="1"/>
-          <p:nvPr/>
-        </p:nvSpPr>
-        <p:spPr>
-          <a:xfrm>
-            <a:off x="7869358" y="3330841"/>
-            <a:ext cx="654218" cy="338554"/>
-          </a:xfrm>
-          <a:prstGeom prst="rect">
-            <a:avLst/>
-          </a:prstGeom>
-          <a:noFill/>
-        </p:spPr>
-        <p:txBody>
-          <a:bodyPr wrap="none" rtlCol="0">
-            <a:spAutoFit/>
-          </a:bodyPr>
-          <a:lstStyle/>
-          <a:p>
-            <a:r>
-              <a:rPr lang="en-US" sz="1600" dirty="0"/>
-              <a:t>event</a:t>
-            </a:r>
-          </a:p>
-        </p:txBody>
-      </p:sp>
-      <p:cxnSp>
-        <p:nvCxnSpPr>
-          <p:cNvPr id="62" name="Connector: Elbow 61">
-            <a:extLst>
-              <a:ext uri="{FF2B5EF4-FFF2-40B4-BE49-F238E27FC236}">
-                <a16:creationId xmlns:a16="http://schemas.microsoft.com/office/drawing/2014/main" id="{282E2064-1DD3-439C-8E48-67FD5E63FEC8}"/>
-              </a:ext>
-            </a:extLst>
-          </p:cNvPr>
-          <p:cNvCxnSpPr>
-            <a:cxnSpLocks/>
-            <a:stCxn id="5" idx="2"/>
-            <a:endCxn id="7" idx="1"/>
-          </p:cNvCxnSpPr>
-          <p:nvPr/>
-        </p:nvCxnSpPr>
-        <p:spPr>
-          <a:xfrm rot="16200000" flipH="1">
-            <a:off x="3208644" y="2067501"/>
-            <a:ext cx="1000955" cy="2080231"/>
-          </a:xfrm>
-          <a:prstGeom prst="bentConnector2">
-            <a:avLst/>
-          </a:prstGeom>
-          <a:ln w="38100">
-            <a:solidFill>
-              <a:schemeClr val="tx1"/>
-            </a:solidFill>
-            <a:headEnd type="triangle"/>
-            <a:tailEnd type="triangle"/>
-          </a:ln>
-        </p:spPr>
-        <p:style>
-          <a:lnRef idx="1">
-            <a:schemeClr val="accent1"/>
-          </a:lnRef>
-          <a:fillRef idx="0">
-            <a:schemeClr val="accent1"/>
-          </a:fillRef>
-          <a:effectRef idx="0">
-            <a:schemeClr val="accent1"/>
-          </a:effectRef>
-          <a:fontRef idx="minor">
-            <a:schemeClr val="tx1"/>
-          </a:fontRef>
-        </p:style>
-      </p:cxnSp>
-      <p:cxnSp>
-        <p:nvCxnSpPr>
-          <p:cNvPr id="66" name="Connector: Elbow 65">
-            <a:extLst>
-              <a:ext uri="{FF2B5EF4-FFF2-40B4-BE49-F238E27FC236}">
-                <a16:creationId xmlns:a16="http://schemas.microsoft.com/office/drawing/2014/main" id="{EB49B8CF-42FC-4B6B-B2EA-34D25B2CFB09}"/>
-              </a:ext>
-            </a:extLst>
-          </p:cNvPr>
-          <p:cNvCxnSpPr>
-            <a:stCxn id="6" idx="2"/>
-            <a:endCxn id="7" idx="3"/>
-          </p:cNvCxnSpPr>
-          <p:nvPr/>
-        </p:nvCxnSpPr>
-        <p:spPr>
-          <a:xfrm rot="5400000">
-            <a:off x="7594149" y="2071991"/>
-            <a:ext cx="991978" cy="2080231"/>
-          </a:xfrm>
-          <a:prstGeom prst="bentConnector2">
-            <a:avLst/>
-          </a:prstGeom>
-          <a:ln w="38100">
-            <a:solidFill>
-              <a:schemeClr val="tx1"/>
-            </a:solidFill>
-            <a:headEnd type="triangle"/>
-            <a:tailEnd type="triangle"/>
-          </a:ln>
-        </p:spPr>
-        <p:style>
-          <a:lnRef idx="1">
-            <a:schemeClr val="accent1"/>
-          </a:lnRef>
-          <a:fillRef idx="0">
-            <a:schemeClr val="accent1"/>
-          </a:fillRef>
-          <a:effectRef idx="0">
-            <a:schemeClr val="accent1"/>
-          </a:effectRef>
-          <a:fontRef idx="minor">
-            <a:schemeClr val="tx1"/>
-          </a:fontRef>
-        </p:style>
-      </p:cxnSp>
-      <p:sp>
-        <p:nvSpPr>
-          <p:cNvPr id="67" name="TextBox 66">
-            <a:extLst>
-              <a:ext uri="{FF2B5EF4-FFF2-40B4-BE49-F238E27FC236}">
-                <a16:creationId xmlns:a16="http://schemas.microsoft.com/office/drawing/2014/main" id="{F74F45EF-F193-43F3-8580-697B6E063577}"/>
-              </a:ext>
-            </a:extLst>
-          </p:cNvPr>
-          <p:cNvSpPr txBox="1"/>
-          <p:nvPr/>
-        </p:nvSpPr>
-        <p:spPr>
-          <a:xfrm>
-            <a:off x="3136717" y="5464628"/>
-            <a:ext cx="5386859" cy="707886"/>
-          </a:xfrm>
-          <a:prstGeom prst="rect">
-            <a:avLst/>
-          </a:prstGeom>
-          <a:noFill/>
-        </p:spPr>
-        <p:txBody>
-          <a:bodyPr wrap="none" rtlCol="0">
-            <a:spAutoFit/>
-          </a:bodyPr>
-          <a:lstStyle/>
-          <a:p>
-            <a:r>
-              <a:rPr lang="en-US" sz="4000" dirty="0">
-                <a:solidFill>
-                  <a:srgbClr val="FF0000"/>
-                </a:solidFill>
+          <a:lstStyle>
+            <a:lvl1pPr algn="ctr" defTabSz="914400" rtl="0" eaLnBrk="1" latinLnBrk="0" hangingPunct="1">
+              <a:lnSpc>
+                <a:spcPct val="90000"/>
+              </a:lnSpc>
+              <a:spcBef>
+                <a:spcPct val="0"/>
+              </a:spcBef>
+              <a:buNone/>
+              <a:defRPr sz="6000" kern="1200">
+                <a:solidFill>
+                  <a:schemeClr val="tx1"/>
+                </a:solidFill>
+                <a:latin typeface="+mj-lt"/>
+                <a:ea typeface="+mj-ea"/>
+                <a:cs typeface="+mj-cs"/>
+              </a:defRPr>
+            </a:lvl1pPr>
+          </a:lstStyle>
+          <a:p>
+            <a:pPr algn="just">
+              <a:lnSpc>
+                <a:spcPct val="150000"/>
+              </a:lnSpc>
+            </a:pPr>
+            <a:r>
+              <a:rPr lang="en-US" sz="1800" b="0" i="0" dirty="0">
+                <a:solidFill>
+                  <a:schemeClr val="tx1">
+                    <a:lumMod val="75000"/>
+                    <a:lumOff val="25000"/>
+                  </a:schemeClr>
+                </a:solidFill>
+                <a:effectLst/>
+                <a:latin typeface="Open Sans" panose="020B0604020202020204" pitchFamily="34" charset="0"/>
               </a:rPr>
-              <a:t>the transaction problem!</a:t>
-            </a:r>
-          </a:p>
-        </p:txBody>
-      </p:sp>
-      <p:sp>
-        <p:nvSpPr>
-          <p:cNvPr id="68" name="TextBox 67">
-            <a:extLst>
-              <a:ext uri="{FF2B5EF4-FFF2-40B4-BE49-F238E27FC236}">
-                <a16:creationId xmlns:a16="http://schemas.microsoft.com/office/drawing/2014/main" id="{C785FCDE-985F-4469-A71F-50DEC17E66BE}"/>
-              </a:ext>
-            </a:extLst>
-          </p:cNvPr>
-          <p:cNvSpPr txBox="1"/>
-          <p:nvPr/>
-        </p:nvSpPr>
-        <p:spPr>
-          <a:xfrm>
-            <a:off x="3357713" y="3319538"/>
-            <a:ext cx="654218" cy="338554"/>
-          </a:xfrm>
-          <a:prstGeom prst="rect">
-            <a:avLst/>
-          </a:prstGeom>
-          <a:noFill/>
-        </p:spPr>
-        <p:txBody>
-          <a:bodyPr wrap="none" rtlCol="0">
-            <a:spAutoFit/>
-          </a:bodyPr>
-          <a:lstStyle/>
-          <a:p>
-            <a:r>
-              <a:rPr lang="en-US" sz="1600" dirty="0"/>
-              <a:t>event</a:t>
-            </a:r>
+              <a:t>public void </a:t>
+            </a:r>
+            <a:r>
+              <a:rPr lang="en-US" sz="1800" b="0" i="0" dirty="0" err="1">
+                <a:solidFill>
+                  <a:schemeClr val="tx1">
+                    <a:lumMod val="75000"/>
+                    <a:lumOff val="25000"/>
+                  </a:schemeClr>
+                </a:solidFill>
+                <a:effectLst/>
+                <a:latin typeface="Open Sans" panose="020B0604020202020204" pitchFamily="34" charset="0"/>
+              </a:rPr>
+              <a:t>FooAsync</a:t>
+            </a:r>
+            <a:r>
+              <a:rPr lang="en-US" sz="1800" b="0" i="0" dirty="0">
+                <a:solidFill>
+                  <a:schemeClr val="tx1">
+                    <a:lumMod val="75000"/>
+                    <a:lumOff val="25000"/>
+                  </a:schemeClr>
+                </a:solidFill>
+                <a:effectLst/>
+                <a:latin typeface="Open Sans" panose="020B0604020202020204" pitchFamily="34" charset="0"/>
+              </a:rPr>
+              <a:t>()</a:t>
+            </a:r>
+          </a:p>
+          <a:p>
+            <a:pPr algn="just">
+              <a:lnSpc>
+                <a:spcPct val="150000"/>
+              </a:lnSpc>
+            </a:pPr>
+            <a:r>
+              <a:rPr lang="en-US" sz="1800" b="0" i="0" dirty="0">
+                <a:solidFill>
+                  <a:schemeClr val="tx1">
+                    <a:lumMod val="75000"/>
+                    <a:lumOff val="25000"/>
+                  </a:schemeClr>
+                </a:solidFill>
+                <a:effectLst/>
+                <a:latin typeface="Open Sans" panose="020B0604020202020204" pitchFamily="34" charset="0"/>
+              </a:rPr>
+              <a:t>{</a:t>
+            </a:r>
+          </a:p>
+          <a:p>
+            <a:pPr algn="just">
+              <a:lnSpc>
+                <a:spcPct val="150000"/>
+              </a:lnSpc>
+            </a:pPr>
+            <a:r>
+              <a:rPr lang="en-US" sz="1800" b="1" i="0" dirty="0">
+                <a:solidFill>
+                  <a:schemeClr val="accent6">
+                    <a:lumMod val="75000"/>
+                  </a:schemeClr>
+                </a:solidFill>
+                <a:effectLst/>
+                <a:latin typeface="Open Sans" panose="020B0604020202020204" pitchFamily="34" charset="0"/>
+              </a:rPr>
+              <a:t>    /* Database operation 1 (on SQL Server) */</a:t>
+            </a:r>
+          </a:p>
+          <a:p>
+            <a:pPr algn="just">
+              <a:lnSpc>
+                <a:spcPct val="150000"/>
+              </a:lnSpc>
+            </a:pPr>
+            <a:r>
+              <a:rPr lang="en-US" sz="1800" b="1" i="0" dirty="0">
+                <a:solidFill>
+                  <a:schemeClr val="accent5">
+                    <a:lumMod val="75000"/>
+                  </a:schemeClr>
+                </a:solidFill>
+                <a:effectLst/>
+                <a:latin typeface="Open Sans" panose="020B0604020202020204" pitchFamily="34" charset="0"/>
+              </a:rPr>
+              <a:t>    /* Publish event 1 (to RabbitM</a:t>
+            </a:r>
+            <a:r>
+              <a:rPr lang="en-US" sz="1800" b="1" dirty="0">
+                <a:solidFill>
+                  <a:schemeClr val="accent5">
+                    <a:lumMod val="75000"/>
+                  </a:schemeClr>
+                </a:solidFill>
+                <a:latin typeface="Open Sans" panose="020B0604020202020204" pitchFamily="34" charset="0"/>
+              </a:rPr>
+              <a:t>Q</a:t>
+            </a:r>
+            <a:r>
+              <a:rPr lang="en-US" sz="1800" b="1" i="0" dirty="0">
+                <a:solidFill>
+                  <a:schemeClr val="accent5">
+                    <a:lumMod val="75000"/>
+                  </a:schemeClr>
+                </a:solidFill>
+                <a:effectLst/>
+                <a:latin typeface="Open Sans" panose="020B0604020202020204" pitchFamily="34" charset="0"/>
+              </a:rPr>
+              <a:t>) */</a:t>
+            </a:r>
+          </a:p>
+          <a:p>
+            <a:pPr algn="just">
+              <a:lnSpc>
+                <a:spcPct val="150000"/>
+              </a:lnSpc>
+            </a:pPr>
+            <a:r>
+              <a:rPr lang="en-US" sz="1800" b="1" i="0" dirty="0">
+                <a:solidFill>
+                  <a:schemeClr val="accent6">
+                    <a:lumMod val="75000"/>
+                  </a:schemeClr>
+                </a:solidFill>
+                <a:effectLst/>
+                <a:latin typeface="Open Sans" panose="020B0604020202020204" pitchFamily="34" charset="0"/>
+              </a:rPr>
+              <a:t>    /* Database operation 2 (on SQL Server) */</a:t>
+            </a:r>
+          </a:p>
+          <a:p>
+            <a:pPr algn="just">
+              <a:lnSpc>
+                <a:spcPct val="150000"/>
+              </a:lnSpc>
+            </a:pPr>
+            <a:r>
+              <a:rPr lang="en-US" sz="1800" b="1" i="0" dirty="0">
+                <a:solidFill>
+                  <a:schemeClr val="accent5">
+                    <a:lumMod val="75000"/>
+                  </a:schemeClr>
+                </a:solidFill>
+                <a:effectLst/>
+                <a:latin typeface="Open Sans" panose="020B0604020202020204" pitchFamily="34" charset="0"/>
+              </a:rPr>
+              <a:t>    /* Publish event 2 (to RabbitM</a:t>
+            </a:r>
+            <a:r>
+              <a:rPr lang="en-US" sz="1800" b="1" dirty="0">
+                <a:solidFill>
+                  <a:schemeClr val="accent5">
+                    <a:lumMod val="75000"/>
+                  </a:schemeClr>
+                </a:solidFill>
+                <a:latin typeface="Open Sans" panose="020B0604020202020204" pitchFamily="34" charset="0"/>
+              </a:rPr>
+              <a:t>Q</a:t>
+            </a:r>
+            <a:r>
+              <a:rPr lang="en-US" sz="1800" b="1" i="0" dirty="0">
+                <a:solidFill>
+                  <a:schemeClr val="accent5">
+                    <a:lumMod val="75000"/>
+                  </a:schemeClr>
+                </a:solidFill>
+                <a:effectLst/>
+                <a:latin typeface="Open Sans" panose="020B0604020202020204" pitchFamily="34" charset="0"/>
+              </a:rPr>
+              <a:t>) */</a:t>
+            </a:r>
+          </a:p>
+          <a:p>
+            <a:pPr algn="just">
+              <a:lnSpc>
+                <a:spcPct val="150000"/>
+              </a:lnSpc>
+            </a:pPr>
+            <a:r>
+              <a:rPr lang="en-US" sz="1800" b="0" i="0" dirty="0">
+                <a:solidFill>
+                  <a:schemeClr val="tx1">
+                    <a:lumMod val="75000"/>
+                    <a:lumOff val="25000"/>
+                  </a:schemeClr>
+                </a:solidFill>
+                <a:effectLst/>
+                <a:latin typeface="Open Sans" panose="020B0604020202020204" pitchFamily="34" charset="0"/>
+              </a:rPr>
+              <a:t>}</a:t>
+            </a:r>
+            <a:endParaRPr lang="tr-TR" sz="1800" b="0" i="0" dirty="0">
+              <a:solidFill>
+                <a:schemeClr val="tx1">
+                  <a:lumMod val="75000"/>
+                  <a:lumOff val="25000"/>
+                </a:schemeClr>
+              </a:solidFill>
+              <a:effectLst/>
+              <a:latin typeface="Open Sans" panose="020B0604020202020204" pitchFamily="34" charset="0"/>
+            </a:endParaRPr>
           </a:p>
         </p:txBody>
       </p:sp>
     </p:spTree>
     <p:extLst>
       <p:ext uri="{BB962C8B-B14F-4D97-AF65-F5344CB8AC3E}">
-        <p14:creationId xmlns:p14="http://schemas.microsoft.com/office/powerpoint/2010/main" val="1877400763"/>
+        <p14:creationId xmlns:p14="http://schemas.microsoft.com/office/powerpoint/2010/main" val="2031981240"/>
       </p:ext>
     </p:extLst>
   </p:cSld>
@@ -4368,7 +3906,7 @@
                             </p:stCondLst>
                             <p:childTnLst>
                               <p:par>
-                                <p:cTn id="5" presetID="10" presetClass="entr" presetSubtype="0" fill="hold" grpId="0" nodeType="clickEffect">
+                                <p:cTn id="5" presetID="10" presetClass="entr" presetSubtype="0" fill="hold" nodeType="clickEffect">
                                   <p:stCondLst>
                                     <p:cond delay="0"/>
                                   </p:stCondLst>
@@ -4381,7 +3919,11 @@
                                           </p:stCondLst>
                                         </p:cTn>
                                         <p:tgtEl>
-                                          <p:spTgt spid="7"/>
+                                          <p:spTgt spid="4">
+                                            <p:txEl>
+                                              <p:pRg st="2" end="2"/>
+                                            </p:txEl>
+                                          </p:spTgt>
                                         </p:tgtEl>
                                         <p:attrNameLst>
                                           <p:attrName>style.visibility</p:attrName>
@@ -4395,147 +3937,11 @@
                                       <p:cBhvr>
                                         <p:cTn id="7" dur="500"/>
                                         <p:tgtEl>
-                                          <p:spTgt spid="7"/>
-                                        </p:tgtEl>
-                                      </p:cBhvr>
-                                    </p:animEffect>
-                                  </p:childTnLst>
-                                </p:cTn>
-                              </p:par>
-                              <p:par>
-                                <p:cTn id="8" presetID="10" presetClass="entr" presetSubtype="0" fill="hold" grpId="0" nodeType="withEffect">
-                                  <p:stCondLst>
-                                    <p:cond delay="0"/>
-                                  </p:stCondLst>
-                                  <p:childTnLst>
-                                    <p:set>
-                                      <p:cBhvr>
-                                        <p:cTn id="9" dur="1" fill="hold">
-                                          <p:stCondLst>
-                                            <p:cond delay="0"/>
-                                          </p:stCondLst>
-                                        </p:cTn>
-                                        <p:tgtEl>
-                                          <p:spTgt spid="54"/>
-                                        </p:tgtEl>
-                                        <p:attrNameLst>
-                                          <p:attrName>style.visibility</p:attrName>
-                                        </p:attrNameLst>
-                                      </p:cBhvr>
-                                      <p:to>
-                                        <p:strVal val="visible"/>
-                                      </p:to>
-                                    </p:set>
-                                    <p:animEffect transition="in" filter="fade">
-                                      <p:cBhvr>
-                                        <p:cTn id="10" dur="500"/>
-                                        <p:tgtEl>
-                                          <p:spTgt spid="54"/>
-                                        </p:tgtEl>
-                                      </p:cBhvr>
-                                    </p:animEffect>
-                                  </p:childTnLst>
-                                </p:cTn>
-                              </p:par>
-                              <p:par>
-                                <p:cTn id="11" presetID="10" presetClass="entr" presetSubtype="0" fill="hold" nodeType="withEffect">
-                                  <p:stCondLst>
-                                    <p:cond delay="0"/>
-                                  </p:stCondLst>
-                                  <p:childTnLst>
-                                    <p:set>
-                                      <p:cBhvr>
-                                        <p:cTn id="12" dur="1" fill="hold">
-                                          <p:stCondLst>
-                                            <p:cond delay="0"/>
-                                          </p:stCondLst>
-                                        </p:cTn>
-                                        <p:tgtEl>
-                                          <p:spTgt spid="62"/>
-                                        </p:tgtEl>
-                                        <p:attrNameLst>
-                                          <p:attrName>style.visibility</p:attrName>
-                                        </p:attrNameLst>
-                                      </p:cBhvr>
-                                      <p:to>
-                                        <p:strVal val="visible"/>
-                                      </p:to>
-                                    </p:set>
-                                    <p:animEffect transition="in" filter="fade">
-                                      <p:cBhvr>
-                                        <p:cTn id="13" dur="500"/>
-                                        <p:tgtEl>
-                                          <p:spTgt spid="62"/>
-                                        </p:tgtEl>
-                                      </p:cBhvr>
-                                    </p:animEffect>
-                                  </p:childTnLst>
-                                </p:cTn>
-                              </p:par>
-                              <p:par>
-                                <p:cTn id="14" presetID="10" presetClass="entr" presetSubtype="0" fill="hold" nodeType="withEffect">
-                                  <p:stCondLst>
-                                    <p:cond delay="0"/>
-                                  </p:stCondLst>
-                                  <p:childTnLst>
-                                    <p:set>
-                                      <p:cBhvr>
-                                        <p:cTn id="15" dur="1" fill="hold">
-                                          <p:stCondLst>
-                                            <p:cond delay="0"/>
-                                          </p:stCondLst>
-                                        </p:cTn>
-                                        <p:tgtEl>
-                                          <p:spTgt spid="66"/>
-                                        </p:tgtEl>
-                                        <p:attrNameLst>
-                                          <p:attrName>style.visibility</p:attrName>
-                                        </p:attrNameLst>
-                                      </p:cBhvr>
-                                      <p:to>
-                                        <p:strVal val="visible"/>
-                                      </p:to>
-                                    </p:set>
-                                    <p:animEffect transition="in" filter="fade">
-                                      <p:cBhvr>
-                                        <p:cTn id="16" dur="500"/>
-                                        <p:tgtEl>
-                                          <p:spTgt spid="66"/>
-                                        </p:tgtEl>
-                                      </p:cBhvr>
-                                    </p:animEffect>
-                                  </p:childTnLst>
-                                </p:cTn>
-                              </p:par>
-                              <p:par>
-                                <p:cTn id="17" presetID="10" presetClass="entr" presetSubtype="0" fill="hold" grpId="0" nodeType="withEffect">
-                                  <p:stCondLst>
-                                    <p:cond delay="0"/>
-                                  </p:stCondLst>
-                                  <p:childTnLst>
-                                    <p:set>
-                                      <p:cBhvr>
-                                        <p:cTn id="18" dur="1" fill="hold">
-                                          <p:stCondLst>
-                                            <p:cond delay="0"/>
-                                          </p:stCondLst>
-                                        </p:cTn>
-                                        <p:tgtEl>
-                                          <p:spTgt spid="68"/>
-                                        </p:tgtEl>
-                                        <p:attrNameLst>
-                                          <p:attrName>style.visibility</p:attrName>
-                                        </p:attrNameLst>
-                                      </p:cBhvr>
-                                      <p:to>
-                                        <p:strVal val="visible"/>
-                                      </p:to>
-                                    </p:set>
-                                    <p:animEffect transition="in" filter="fade">
-                                      <p:cBhvr>
-                                        <p:cTn id="19" dur="500"/>
-                                        <p:tgtEl>
-                                          <p:spTgt spid="68"/>
+                                          <p:spTgt spid="4">
+                                            <p:txEl>
+                                              <p:pRg st="2" end="2"/>
+                                            </p:txEl>
+                                          </p:spTgt>
                                         </p:tgtEl>
                                       </p:cBhvr>
                                     </p:animEffect>
@@ -4549,32 +3955,36 @@
                     </p:cTn>
                   </p:par>
                   <p:par>
-                    <p:cTn id="20" fill="hold">
+                    <p:cTn id="8" fill="hold">
                       <p:stCondLst>
                         <p:cond delay="indefinite"/>
                       </p:stCondLst>
                       <p:childTnLst>
                         <p:par>
-                          <p:cTn id="21" fill="hold">
+                          <p:cTn id="9" fill="hold">
                             <p:stCondLst>
                               <p:cond delay="0"/>
                             </p:stCondLst>
                             <p:childTnLst>
                               <p:par>
-                                <p:cTn id="22" presetID="10" presetClass="entr" presetSubtype="0" fill="hold" grpId="0" nodeType="clickEffect">
+                                <p:cTn id="10" presetID="10" presetClass="entr" presetSubtype="0" fill="hold" nodeType="clickEffect">
                                   <p:stCondLst>
                                     <p:cond delay="0"/>
                                   </p:stCondLst>
                                   <p:childTnLst>
                                     <p:set>
                                       <p:cBhvr>
-                                        <p:cTn id="23" dur="1" fill="hold">
+                                        <p:cTn id="11" dur="1" fill="hold">
                                           <p:stCondLst>
                                             <p:cond delay="0"/>
                                           </p:stCondLst>
                                         </p:cTn>
                                         <p:tgtEl>
-                                          <p:spTgt spid="48"/>
+                                          <p:spTgt spid="4">
+                                            <p:txEl>
+                                              <p:pRg st="3" end="3"/>
+                                            </p:txEl>
+                                          </p:spTgt>
                                         </p:tgtEl>
                                         <p:attrNameLst>
                                           <p:attrName>style.visibility</p:attrName>
@@ -4586,79 +3996,13 @@
                                     </p:set>
                                     <p:animEffect transition="in" filter="fade">
                                       <p:cBhvr>
-                                        <p:cTn id="24" dur="500"/>
+                                        <p:cTn id="12" dur="500"/>
                                         <p:tgtEl>
-                                          <p:spTgt spid="48"/>
-                                        </p:tgtEl>
-                                      </p:cBhvr>
-                                    </p:animEffect>
-                                  </p:childTnLst>
-                                </p:cTn>
-                              </p:par>
-                              <p:par>
-                                <p:cTn id="25" presetID="10" presetClass="entr" presetSubtype="0" fill="hold" nodeType="withEffect">
-                                  <p:stCondLst>
-                                    <p:cond delay="0"/>
-                                  </p:stCondLst>
-                                  <p:childTnLst>
-                                    <p:set>
-                                      <p:cBhvr>
-                                        <p:cTn id="26" dur="1" fill="hold">
-                                          <p:stCondLst>
-                                            <p:cond delay="0"/>
-                                          </p:stCondLst>
-                                        </p:cTn>
-                                        <p:tgtEl>
-                                          <p:spTgt spid="50"/>
-                                        </p:tgtEl>
-                                        <p:attrNameLst>
-                                          <p:attrName>style.visibility</p:attrName>
-                                        </p:attrNameLst>
-                                      </p:cBhvr>
-                                      <p:to>
-                                        <p:strVal val="visible"/>
-                                      </p:to>
-                                    </p:set>
-                                    <p:animEffect transition="in" filter="fade">
-                                      <p:cBhvr>
-                                        <p:cTn id="27" dur="500"/>
-                                        <p:tgtEl>
-                                          <p:spTgt spid="50"/>
-                                        </p:tgtEl>
-                                      </p:cBhvr>
-                                    </p:animEffect>
-                                  </p:childTnLst>
-                                </p:cTn>
-                              </p:par>
-                              <p:par>
-                                <p:cTn id="28" presetID="10" presetClass="entr" presetSubtype="0" fill="hold" nodeType="withEffect">
-                                  <p:stCondLst>
-                                    <p:cond delay="0"/>
-                                  </p:stCondLst>
-                                  <p:childTnLst>
-                                    <p:set>
-                                      <p:cBhvr>
-                                        <p:cTn id="29" dur="1" fill="hold">
-                                          <p:stCondLst>
-                                            <p:cond delay="0"/>
-                                          </p:stCondLst>
-                                        </p:cTn>
-                                        <p:tgtEl>
-                                          <p:spTgt spid="53"/>
-                                        </p:tgtEl>
-                                        <p:attrNameLst>
-                                          <p:attrName>style.visibility</p:attrName>
-                                        </p:attrNameLst>
-                                      </p:cBhvr>
-                                      <p:to>
-                                        <p:strVal val="visible"/>
-                                      </p:to>
-                                    </p:set>
-                                    <p:animEffect transition="in" filter="fade">
-                                      <p:cBhvr>
-                                        <p:cTn id="30" dur="500"/>
-                                        <p:tgtEl>
-                                          <p:spTgt spid="53"/>
+                                          <p:spTgt spid="4">
+                                            <p:txEl>
+                                              <p:pRg st="3" end="3"/>
+                                            </p:txEl>
+                                          </p:spTgt>
                                         </p:tgtEl>
                                       </p:cBhvr>
                                     </p:animEffect>
@@ -4672,32 +4016,36 @@
                     </p:cTn>
                   </p:par>
                   <p:par>
-                    <p:cTn id="31" fill="hold">
+                    <p:cTn id="13" fill="hold">
                       <p:stCondLst>
                         <p:cond delay="indefinite"/>
                       </p:stCondLst>
                       <p:childTnLst>
                         <p:par>
-                          <p:cTn id="32" fill="hold">
+                          <p:cTn id="14" fill="hold">
                             <p:stCondLst>
                               <p:cond delay="0"/>
                             </p:stCondLst>
                             <p:childTnLst>
                               <p:par>
-                                <p:cTn id="33" presetID="10" presetClass="entr" presetSubtype="0" fill="hold" grpId="0" nodeType="clickEffect">
+                                <p:cTn id="15" presetID="10" presetClass="entr" presetSubtype="0" fill="hold" nodeType="clickEffect">
                                   <p:stCondLst>
                                     <p:cond delay="0"/>
                                   </p:stCondLst>
                                   <p:childTnLst>
                                     <p:set>
                                       <p:cBhvr>
-                                        <p:cTn id="34" dur="1" fill="hold">
+                                        <p:cTn id="16" dur="1" fill="hold">
                                           <p:stCondLst>
                                             <p:cond delay="0"/>
                                           </p:stCondLst>
                                         </p:cTn>
                                         <p:tgtEl>
-                                          <p:spTgt spid="67"/>
+                                          <p:spTgt spid="4">
+                                            <p:txEl>
+                                              <p:pRg st="4" end="4"/>
+                                            </p:txEl>
+                                          </p:spTgt>
                                         </p:tgtEl>
                                         <p:attrNameLst>
                                           <p:attrName>style.visibility</p:attrName>
@@ -4709,9 +4057,74 @@
                                     </p:set>
                                     <p:animEffect transition="in" filter="fade">
                                       <p:cBhvr>
-                                        <p:cTn id="35" dur="500"/>
+                                        <p:cTn id="17" dur="500"/>
                                         <p:tgtEl>
-                                          <p:spTgt spid="67"/>
+                                          <p:spTgt spid="4">
+                                            <p:txEl>
+                                              <p:pRg st="4" end="4"/>
+                                            </p:txEl>
+                                          </p:spTgt>
+                                        </p:tgtEl>
+                                      </p:cBhvr>
+                                    </p:animEffect>
+                                  </p:childTnLst>
+                                </p:cTn>
+                              </p:par>
+                            </p:childTnLst>
+                          </p:cTn>
+                        </p:par>
+                      </p:childTnLst>
+                    </p:cTn>
+                  </p:par>
+                  <p:par>
+                    <p:cTn id="18" fill="hold">
+                      <p:stCondLst>
+                        <p:cond delay="indefinite"/>
+                      </p:stCondLst>
+                      <p:childTnLst>
+                        <p:par>
+                          <p:cTn id="19" fill="hold">
+                            <p:stCondLst>
+                              <p:cond delay="0"/>
+                            </p:stCondLst>
+                            <p:childTnLst>
+                              <p:par>
+                                <p:cTn id="20" presetID="10" presetClass="entr" presetSubtype="0" fill="hold" nodeType="clickEffect">
+                                  <p:stCondLst>
+                                    <p:cond delay="0"/>
+                                  </p:stCondLst>
+                                  <p:childTnLst>
+                                    <p:set>
+                                      <p:cBhvr>
+                                        <p:cTn id="21" dur="1" fill="hold">
+                                          <p:stCondLst>
+                                            <p:cond delay="0"/>
+                                          </p:stCondLst>
+                                        </p:cTn>
+                                        <p:tgtEl>
+                                          <p:spTgt spid="4">
+                                            <p:txEl>
+                                              <p:pRg st="5" end="5"/>
+                                            </p:txEl>
+                                          </p:spTgt>
+                                        </p:tgtEl>
+                                        <p:attrNameLst>
+                                          <p:attrName>style.visibility</p:attrName>
+                                        </p:attrNameLst>
+                                      </p:cBhvr>
+                                      <p:to>
+                                        <p:strVal val="visible"/>
+                                      </p:to>
+                                    </p:set>
+                                    <p:animEffect transition="in" filter="fade">
+                                      <p:cBhvr>
+                                        <p:cTn id="22" dur="500"/>
+                                        <p:tgtEl>
+                                          <p:spTgt spid="4">
+                                            <p:txEl>
+                                              <p:pRg st="5" end="5"/>
+                                            </p:txEl>
+                                          </p:spTgt>
                                         </p:tgtEl>
                                       </p:cBhvr>
                                     </p:animEffect>
@@ -4745,18 +4158,1152 @@
         </p:cTn>
       </p:par>
     </p:tnLst>
-    <p:bldLst>
-      <p:bldP spid="7" grpId="0" animBg="1"/>
-      <p:bldP spid="48" grpId="0" animBg="1"/>
-      <p:bldP spid="54" grpId="0"/>
-      <p:bldP spid="67" grpId="0"/>
-      <p:bldP spid="68" grpId="0"/>
-    </p:bldLst>
   </p:timing>
 </p:sld>
 </file>
 
 <file path=ppt/slides/slide3.xml><?xml version="1.0" encoding="utf-8"?>
+<p:sld xmlns:a="http://schemas.openxmlformats.org/drawingml/2006/main" xmlns:r="http://schemas.openxmlformats.org/officeDocument/2006/relationships" xmlns:p="http://schemas.openxmlformats.org/presentationml/2006/main">
+  <p:cSld>
+    <p:bg>
+      <p:bgPr>
+        <a:blipFill dpi="0" rotWithShape="1">
+          <a:blip r:embed="rId2">
+            <a:lum/>
+          </a:blip>
+          <a:srcRect/>
+          <a:stretch>
+            <a:fillRect/>
+          </a:stretch>
+        </a:blipFill>
+        <a:effectLst/>
+      </p:bgPr>
+    </p:bg>
+    <p:spTree>
+      <p:nvGrpSpPr>
+        <p:cNvPr id="1" name=""/>
+        <p:cNvGrpSpPr/>
+        <p:nvPr/>
+      </p:nvGrpSpPr>
+      <p:grpSpPr>
+        <a:xfrm>
+          <a:off x="0" y="0"/>
+          <a:ext cx="0" cy="0"/>
+          <a:chOff x="0" y="0"/>
+          <a:chExt cx="0" cy="0"/>
+        </a:xfrm>
+      </p:grpSpPr>
+      <p:sp>
+        <p:nvSpPr>
+          <p:cNvPr id="2" name="Başlık 1">
+            <a:extLst>
+              <a:ext uri="{FF2B5EF4-FFF2-40B4-BE49-F238E27FC236}">
+                <a16:creationId xmlns:a16="http://schemas.microsoft.com/office/drawing/2014/main" id="{FC0E68DA-A67F-4697-854D-AE37C5BA5BFA}"/>
+              </a:ext>
+            </a:extLst>
+          </p:cNvPr>
+          <p:cNvSpPr>
+            <a:spLocks noGrp="1"/>
+          </p:cNvSpPr>
+          <p:nvPr>
+            <p:ph type="ctrTitle"/>
+          </p:nvPr>
+        </p:nvSpPr>
+        <p:spPr>
+          <a:xfrm>
+            <a:off x="952500" y="885825"/>
+            <a:ext cx="10287000" cy="1066800"/>
+          </a:xfrm>
+        </p:spPr>
+        <p:txBody>
+          <a:bodyPr anchor="ctr">
+            <a:normAutofit fontScale="90000"/>
+          </a:bodyPr>
+          <a:lstStyle/>
+          <a:p>
+            <a:pPr algn="l"/>
+            <a:r>
+              <a:rPr lang="en-US" sz="4000" dirty="0">
+                <a:solidFill>
+                  <a:srgbClr val="44013C"/>
+                </a:solidFill>
+                <a:latin typeface="Segoe UI Semibold" panose="020B0702040204020203" pitchFamily="34" charset="0"/>
+                <a:cs typeface="Segoe UI Semibold" panose="020B0702040204020203" pitchFamily="34" charset="0"/>
+              </a:rPr>
+              <a:t>The transaction problem of distributed events</a:t>
+            </a:r>
+            <a:endParaRPr lang="tr-TR" sz="4000" dirty="0">
+              <a:solidFill>
+                <a:srgbClr val="44013C"/>
+              </a:solidFill>
+            </a:endParaRPr>
+          </a:p>
+        </p:txBody>
+      </p:sp>
+      <p:sp>
+        <p:nvSpPr>
+          <p:cNvPr id="4" name="Başlık 1">
+            <a:extLst>
+              <a:ext uri="{FF2B5EF4-FFF2-40B4-BE49-F238E27FC236}">
+                <a16:creationId xmlns:a16="http://schemas.microsoft.com/office/drawing/2014/main" id="{96A1982A-6408-4D1D-8BA5-BE7B17D51BB4}"/>
+              </a:ext>
+            </a:extLst>
+          </p:cNvPr>
+          <p:cNvSpPr txBox="1">
+            <a:spLocks/>
+          </p:cNvSpPr>
+          <p:nvPr/>
+        </p:nvSpPr>
+        <p:spPr>
+          <a:xfrm>
+            <a:off x="952500" y="1952625"/>
+            <a:ext cx="10287000" cy="4286250"/>
+          </a:xfrm>
+          <a:prstGeom prst="rect">
+            <a:avLst/>
+          </a:prstGeom>
+        </p:spPr>
+        <p:txBody>
+          <a:bodyPr vert="horz" lIns="91440" tIns="45720" rIns="91440" bIns="45720" rtlCol="0" anchor="t">
+            <a:noAutofit/>
+          </a:bodyPr>
+          <a:lstStyle>
+            <a:lvl1pPr algn="ctr" defTabSz="914400" rtl="0" eaLnBrk="1" latinLnBrk="0" hangingPunct="1">
+              <a:lnSpc>
+                <a:spcPct val="90000"/>
+              </a:lnSpc>
+              <a:spcBef>
+                <a:spcPct val="0"/>
+              </a:spcBef>
+              <a:buNone/>
+              <a:defRPr sz="6000" kern="1200">
+                <a:solidFill>
+                  <a:schemeClr val="tx1"/>
+                </a:solidFill>
+                <a:latin typeface="+mj-lt"/>
+                <a:ea typeface="+mj-ea"/>
+                <a:cs typeface="+mj-cs"/>
+              </a:defRPr>
+            </a:lvl1pPr>
+          </a:lstStyle>
+          <a:p>
+            <a:pPr algn="just">
+              <a:lnSpc>
+                <a:spcPct val="150000"/>
+              </a:lnSpc>
+            </a:pPr>
+            <a:r>
+              <a:rPr lang="en-US" sz="1800" dirty="0">
+                <a:solidFill>
+                  <a:schemeClr val="tx1">
+                    <a:lumMod val="75000"/>
+                    <a:lumOff val="25000"/>
+                  </a:schemeClr>
+                </a:solidFill>
+                <a:latin typeface="Open Sans" panose="020B0604020202020204" pitchFamily="34" charset="0"/>
+              </a:rPr>
+              <a:t>public void </a:t>
+            </a:r>
+            <a:r>
+              <a:rPr lang="en-US" sz="1800" dirty="0" err="1">
+                <a:solidFill>
+                  <a:schemeClr val="tx1">
+                    <a:lumMod val="75000"/>
+                    <a:lumOff val="25000"/>
+                  </a:schemeClr>
+                </a:solidFill>
+                <a:latin typeface="Open Sans" panose="020B0604020202020204" pitchFamily="34" charset="0"/>
+              </a:rPr>
+              <a:t>FooAsync</a:t>
+            </a:r>
+            <a:r>
+              <a:rPr lang="en-US" sz="1800" dirty="0">
+                <a:solidFill>
+                  <a:schemeClr val="tx1">
+                    <a:lumMod val="75000"/>
+                    <a:lumOff val="25000"/>
+                  </a:schemeClr>
+                </a:solidFill>
+                <a:latin typeface="Open Sans" panose="020B0604020202020204" pitchFamily="34" charset="0"/>
+              </a:rPr>
+              <a:t>()</a:t>
+            </a:r>
+          </a:p>
+          <a:p>
+            <a:pPr algn="just">
+              <a:lnSpc>
+                <a:spcPct val="150000"/>
+              </a:lnSpc>
+            </a:pPr>
+            <a:r>
+              <a:rPr lang="en-US" sz="1800" dirty="0">
+                <a:solidFill>
+                  <a:schemeClr val="tx1">
+                    <a:lumMod val="75000"/>
+                    <a:lumOff val="25000"/>
+                  </a:schemeClr>
+                </a:solidFill>
+                <a:latin typeface="Open Sans" panose="020B0604020202020204" pitchFamily="34" charset="0"/>
+              </a:rPr>
+              <a:t>{</a:t>
+            </a:r>
+          </a:p>
+          <a:p>
+            <a:pPr algn="just">
+              <a:lnSpc>
+                <a:spcPct val="150000"/>
+              </a:lnSpc>
+            </a:pPr>
+            <a:r>
+              <a:rPr lang="en-US" sz="1800" b="1" dirty="0">
+                <a:solidFill>
+                  <a:srgbClr val="FF0000"/>
+                </a:solidFill>
+                <a:latin typeface="Open Sans" panose="020B0604020202020204" pitchFamily="34" charset="0"/>
+              </a:rPr>
+              <a:t>    /* BEGIN database transaction */</a:t>
+            </a:r>
+          </a:p>
+          <a:p>
+            <a:pPr algn="just">
+              <a:lnSpc>
+                <a:spcPct val="150000"/>
+              </a:lnSpc>
+            </a:pPr>
+            <a:r>
+              <a:rPr lang="en-US" sz="1800" b="1" dirty="0">
+                <a:solidFill>
+                  <a:schemeClr val="accent6">
+                    <a:lumMod val="75000"/>
+                  </a:schemeClr>
+                </a:solidFill>
+                <a:latin typeface="Open Sans" panose="020B0604020202020204" pitchFamily="34" charset="0"/>
+              </a:rPr>
+              <a:t>    /* Database operation 1 (on SQL Server) */</a:t>
+            </a:r>
+          </a:p>
+          <a:p>
+            <a:pPr algn="just">
+              <a:lnSpc>
+                <a:spcPct val="150000"/>
+              </a:lnSpc>
+            </a:pPr>
+            <a:r>
+              <a:rPr lang="en-US" sz="1800" b="1" dirty="0">
+                <a:solidFill>
+                  <a:schemeClr val="accent5">
+                    <a:lumMod val="75000"/>
+                  </a:schemeClr>
+                </a:solidFill>
+                <a:latin typeface="Open Sans" panose="020B0604020202020204" pitchFamily="34" charset="0"/>
+              </a:rPr>
+              <a:t>    /* Publish event 1 (to RabbitMQ) */</a:t>
+            </a:r>
+          </a:p>
+          <a:p>
+            <a:pPr algn="just">
+              <a:lnSpc>
+                <a:spcPct val="150000"/>
+              </a:lnSpc>
+            </a:pPr>
+            <a:r>
+              <a:rPr lang="en-US" sz="1800" b="1" dirty="0">
+                <a:solidFill>
+                  <a:schemeClr val="accent6">
+                    <a:lumMod val="75000"/>
+                  </a:schemeClr>
+                </a:solidFill>
+                <a:latin typeface="Open Sans" panose="020B0604020202020204" pitchFamily="34" charset="0"/>
+              </a:rPr>
+              <a:t>    /* Database operation 2 (on SQL Server) */</a:t>
+            </a:r>
+          </a:p>
+          <a:p>
+            <a:pPr algn="just">
+              <a:lnSpc>
+                <a:spcPct val="150000"/>
+              </a:lnSpc>
+            </a:pPr>
+            <a:r>
+              <a:rPr lang="en-US" sz="1800" b="1" dirty="0">
+                <a:solidFill>
+                  <a:schemeClr val="accent5">
+                    <a:lumMod val="75000"/>
+                  </a:schemeClr>
+                </a:solidFill>
+                <a:latin typeface="Open Sans" panose="020B0604020202020204" pitchFamily="34" charset="0"/>
+              </a:rPr>
+              <a:t>    /* Publish event 2 (to RabbitMQ) */</a:t>
+            </a:r>
+          </a:p>
+          <a:p>
+            <a:pPr algn="just">
+              <a:lnSpc>
+                <a:spcPct val="150000"/>
+              </a:lnSpc>
+            </a:pPr>
+            <a:r>
+              <a:rPr lang="en-US" sz="1800" b="1" dirty="0">
+                <a:solidFill>
+                  <a:srgbClr val="FF0000"/>
+                </a:solidFill>
+                <a:latin typeface="Open Sans" panose="020B0604020202020204" pitchFamily="34" charset="0"/>
+              </a:rPr>
+              <a:t>    /* COMMIT database transaction */</a:t>
+            </a:r>
+          </a:p>
+          <a:p>
+            <a:pPr algn="just">
+              <a:lnSpc>
+                <a:spcPct val="150000"/>
+              </a:lnSpc>
+            </a:pPr>
+            <a:r>
+              <a:rPr lang="en-US" sz="1800" dirty="0">
+                <a:solidFill>
+                  <a:schemeClr val="tx1">
+                    <a:lumMod val="75000"/>
+                    <a:lumOff val="25000"/>
+                  </a:schemeClr>
+                </a:solidFill>
+                <a:latin typeface="Open Sans" panose="020B0604020202020204" pitchFamily="34" charset="0"/>
+              </a:rPr>
+              <a:t>}</a:t>
+            </a:r>
+            <a:endParaRPr lang="tr-TR" sz="1800" dirty="0">
+              <a:solidFill>
+                <a:schemeClr val="tx1">
+                  <a:lumMod val="75000"/>
+                  <a:lumOff val="25000"/>
+                </a:schemeClr>
+              </a:solidFill>
+              <a:latin typeface="Open Sans" panose="020B0604020202020204" pitchFamily="34" charset="0"/>
+            </a:endParaRPr>
+          </a:p>
+        </p:txBody>
+      </p:sp>
+    </p:spTree>
+    <p:extLst>
+      <p:ext uri="{BB962C8B-B14F-4D97-AF65-F5344CB8AC3E}">
+        <p14:creationId xmlns:p14="http://schemas.microsoft.com/office/powerpoint/2010/main" val="18145595"/>
+      </p:ext>
+    </p:extLst>
+  </p:cSld>
+  <p:clrMapOvr>
+    <a:masterClrMapping/>
+  </p:clrMapOvr>
+</p:sld>
+</file>
+
+<file path=ppt/slides/slide4.xml><?xml version="1.0" encoding="utf-8"?>
+<p:sld xmlns:a="http://schemas.openxmlformats.org/drawingml/2006/main" xmlns:r="http://schemas.openxmlformats.org/officeDocument/2006/relationships" xmlns:p="http://schemas.openxmlformats.org/presentationml/2006/main">
+  <p:cSld>
+    <p:bg>
+      <p:bgPr>
+        <a:blipFill dpi="0" rotWithShape="1">
+          <a:blip r:embed="rId2">
+            <a:lum/>
+          </a:blip>
+          <a:srcRect/>
+          <a:stretch>
+            <a:fillRect/>
+          </a:stretch>
+        </a:blipFill>
+        <a:effectLst/>
+      </p:bgPr>
+    </p:bg>
+    <p:spTree>
+      <p:nvGrpSpPr>
+        <p:cNvPr id="1" name=""/>
+        <p:cNvGrpSpPr/>
+        <p:nvPr/>
+      </p:nvGrpSpPr>
+      <p:grpSpPr>
+        <a:xfrm>
+          <a:off x="0" y="0"/>
+          <a:ext cx="0" cy="0"/>
+          <a:chOff x="0" y="0"/>
+          <a:chExt cx="0" cy="0"/>
+        </a:xfrm>
+      </p:grpSpPr>
+      <p:sp>
+        <p:nvSpPr>
+          <p:cNvPr id="2" name="Başlık 1">
+            <a:extLst>
+              <a:ext uri="{FF2B5EF4-FFF2-40B4-BE49-F238E27FC236}">
+                <a16:creationId xmlns:a16="http://schemas.microsoft.com/office/drawing/2014/main" id="{FC0E68DA-A67F-4697-854D-AE37C5BA5BFA}"/>
+              </a:ext>
+            </a:extLst>
+          </p:cNvPr>
+          <p:cNvSpPr>
+            <a:spLocks noGrp="1"/>
+          </p:cNvSpPr>
+          <p:nvPr>
+            <p:ph type="ctrTitle"/>
+          </p:nvPr>
+        </p:nvSpPr>
+        <p:spPr>
+          <a:xfrm>
+            <a:off x="952500" y="885825"/>
+            <a:ext cx="10287000" cy="1066800"/>
+          </a:xfrm>
+        </p:spPr>
+        <p:txBody>
+          <a:bodyPr anchor="ctr">
+            <a:normAutofit fontScale="90000"/>
+          </a:bodyPr>
+          <a:lstStyle/>
+          <a:p>
+            <a:pPr algn="l"/>
+            <a:r>
+              <a:rPr lang="en-US" sz="4000" dirty="0">
+                <a:solidFill>
+                  <a:srgbClr val="44013C"/>
+                </a:solidFill>
+                <a:latin typeface="Segoe UI Semibold" panose="020B0702040204020203" pitchFamily="34" charset="0"/>
+                <a:cs typeface="Segoe UI Semibold" panose="020B0702040204020203" pitchFamily="34" charset="0"/>
+              </a:rPr>
+              <a:t>The transaction problem of distributed events</a:t>
+            </a:r>
+            <a:endParaRPr lang="tr-TR" sz="4000" dirty="0">
+              <a:solidFill>
+                <a:srgbClr val="44013C"/>
+              </a:solidFill>
+            </a:endParaRPr>
+          </a:p>
+        </p:txBody>
+      </p:sp>
+      <p:sp>
+        <p:nvSpPr>
+          <p:cNvPr id="4" name="Başlık 1">
+            <a:extLst>
+              <a:ext uri="{FF2B5EF4-FFF2-40B4-BE49-F238E27FC236}">
+                <a16:creationId xmlns:a16="http://schemas.microsoft.com/office/drawing/2014/main" id="{96A1982A-6408-4D1D-8BA5-BE7B17D51BB4}"/>
+              </a:ext>
+            </a:extLst>
+          </p:cNvPr>
+          <p:cNvSpPr txBox="1">
+            <a:spLocks/>
+          </p:cNvSpPr>
+          <p:nvPr/>
+        </p:nvSpPr>
+        <p:spPr>
+          <a:xfrm>
+            <a:off x="952500" y="1952625"/>
+            <a:ext cx="10287000" cy="4286250"/>
+          </a:xfrm>
+          <a:prstGeom prst="rect">
+            <a:avLst/>
+          </a:prstGeom>
+        </p:spPr>
+        <p:txBody>
+          <a:bodyPr vert="horz" lIns="91440" tIns="45720" rIns="91440" bIns="45720" rtlCol="0" anchor="t">
+            <a:noAutofit/>
+          </a:bodyPr>
+          <a:lstStyle>
+            <a:lvl1pPr algn="ctr" defTabSz="914400" rtl="0" eaLnBrk="1" latinLnBrk="0" hangingPunct="1">
+              <a:lnSpc>
+                <a:spcPct val="90000"/>
+              </a:lnSpc>
+              <a:spcBef>
+                <a:spcPct val="0"/>
+              </a:spcBef>
+              <a:buNone/>
+              <a:defRPr sz="6000" kern="1200">
+                <a:solidFill>
+                  <a:schemeClr val="tx1"/>
+                </a:solidFill>
+                <a:latin typeface="+mj-lt"/>
+                <a:ea typeface="+mj-ea"/>
+                <a:cs typeface="+mj-cs"/>
+              </a:defRPr>
+            </a:lvl1pPr>
+          </a:lstStyle>
+          <a:p>
+            <a:pPr algn="just">
+              <a:lnSpc>
+                <a:spcPct val="150000"/>
+              </a:lnSpc>
+            </a:pPr>
+            <a:r>
+              <a:rPr lang="en-US" sz="1800" b="0" i="0" dirty="0">
+                <a:solidFill>
+                  <a:schemeClr val="tx1">
+                    <a:lumMod val="75000"/>
+                    <a:lumOff val="25000"/>
+                  </a:schemeClr>
+                </a:solidFill>
+                <a:effectLst/>
+                <a:latin typeface="Open Sans" panose="020B0604020202020204" pitchFamily="34" charset="0"/>
+              </a:rPr>
+              <a:t>public void </a:t>
+            </a:r>
+            <a:r>
+              <a:rPr lang="en-US" sz="1800" b="0" i="0" dirty="0" err="1">
+                <a:solidFill>
+                  <a:schemeClr val="tx1">
+                    <a:lumMod val="75000"/>
+                    <a:lumOff val="25000"/>
+                  </a:schemeClr>
+                </a:solidFill>
+                <a:effectLst/>
+                <a:latin typeface="Open Sans" panose="020B0604020202020204" pitchFamily="34" charset="0"/>
+              </a:rPr>
+              <a:t>FooAsync</a:t>
+            </a:r>
+            <a:r>
+              <a:rPr lang="en-US" sz="1800" b="0" i="0" dirty="0">
+                <a:solidFill>
+                  <a:schemeClr val="tx1">
+                    <a:lumMod val="75000"/>
+                    <a:lumOff val="25000"/>
+                  </a:schemeClr>
+                </a:solidFill>
+                <a:effectLst/>
+                <a:latin typeface="Open Sans" panose="020B0604020202020204" pitchFamily="34" charset="0"/>
+              </a:rPr>
+              <a:t>()</a:t>
+            </a:r>
+          </a:p>
+          <a:p>
+            <a:pPr algn="just">
+              <a:lnSpc>
+                <a:spcPct val="150000"/>
+              </a:lnSpc>
+            </a:pPr>
+            <a:r>
+              <a:rPr lang="en-US" sz="1800" b="0" i="0" dirty="0">
+                <a:solidFill>
+                  <a:schemeClr val="tx1">
+                    <a:lumMod val="75000"/>
+                    <a:lumOff val="25000"/>
+                  </a:schemeClr>
+                </a:solidFill>
+                <a:effectLst/>
+                <a:latin typeface="Open Sans" panose="020B0604020202020204" pitchFamily="34" charset="0"/>
+              </a:rPr>
+              <a:t>{</a:t>
+            </a:r>
+          </a:p>
+          <a:p>
+            <a:pPr algn="just">
+              <a:lnSpc>
+                <a:spcPct val="150000"/>
+              </a:lnSpc>
+            </a:pPr>
+            <a:r>
+              <a:rPr lang="en-US" sz="1800" b="1" dirty="0">
+                <a:solidFill>
+                  <a:srgbClr val="FF0000"/>
+                </a:solidFill>
+                <a:latin typeface="Open Sans" panose="020B0604020202020204" pitchFamily="34" charset="0"/>
+              </a:rPr>
+              <a:t>    /* BEGIN database transaction */</a:t>
+            </a:r>
+            <a:endParaRPr lang="en-US" sz="1800" b="1" i="0" dirty="0">
+              <a:solidFill>
+                <a:srgbClr val="FF0000"/>
+              </a:solidFill>
+              <a:effectLst/>
+              <a:latin typeface="Open Sans" panose="020B0604020202020204" pitchFamily="34" charset="0"/>
+            </a:endParaRPr>
+          </a:p>
+          <a:p>
+            <a:pPr algn="just">
+              <a:lnSpc>
+                <a:spcPct val="150000"/>
+              </a:lnSpc>
+            </a:pPr>
+            <a:r>
+              <a:rPr lang="en-US" sz="1800" b="1" i="0" dirty="0">
+                <a:solidFill>
+                  <a:schemeClr val="accent6">
+                    <a:lumMod val="75000"/>
+                  </a:schemeClr>
+                </a:solidFill>
+                <a:effectLst/>
+                <a:latin typeface="Open Sans" panose="020B0604020202020204" pitchFamily="34" charset="0"/>
+              </a:rPr>
+              <a:t>    /* Database operation 1 (on SQL Server) */</a:t>
+            </a:r>
+          </a:p>
+          <a:p>
+            <a:pPr algn="just">
+              <a:lnSpc>
+                <a:spcPct val="150000"/>
+              </a:lnSpc>
+            </a:pPr>
+            <a:r>
+              <a:rPr lang="en-US" sz="1800" b="1" i="0" dirty="0">
+                <a:solidFill>
+                  <a:schemeClr val="accent6">
+                    <a:lumMod val="75000"/>
+                  </a:schemeClr>
+                </a:solidFill>
+                <a:effectLst/>
+                <a:latin typeface="Open Sans" panose="020B0604020202020204" pitchFamily="34" charset="0"/>
+              </a:rPr>
+              <a:t>    /* Database operation 2 (on SQL Server) */</a:t>
+            </a:r>
+          </a:p>
+          <a:p>
+            <a:pPr algn="just">
+              <a:lnSpc>
+                <a:spcPct val="150000"/>
+              </a:lnSpc>
+            </a:pPr>
+            <a:r>
+              <a:rPr lang="en-US" sz="1800" b="1" i="0" dirty="0">
+                <a:solidFill>
+                  <a:schemeClr val="accent5">
+                    <a:lumMod val="75000"/>
+                  </a:schemeClr>
+                </a:solidFill>
+                <a:effectLst/>
+                <a:latin typeface="Open Sans" panose="020B0604020202020204" pitchFamily="34" charset="0"/>
+              </a:rPr>
+              <a:t>    /* Publish event 1 (to RabbitM</a:t>
+            </a:r>
+            <a:r>
+              <a:rPr lang="en-US" sz="1800" b="1" dirty="0">
+                <a:solidFill>
+                  <a:schemeClr val="accent5">
+                    <a:lumMod val="75000"/>
+                  </a:schemeClr>
+                </a:solidFill>
+                <a:latin typeface="Open Sans" panose="020B0604020202020204" pitchFamily="34" charset="0"/>
+              </a:rPr>
+              <a:t>Q</a:t>
+            </a:r>
+            <a:r>
+              <a:rPr lang="en-US" sz="1800" b="1" i="0" dirty="0">
+                <a:solidFill>
+                  <a:schemeClr val="accent5">
+                    <a:lumMod val="75000"/>
+                  </a:schemeClr>
+                </a:solidFill>
+                <a:effectLst/>
+                <a:latin typeface="Open Sans" panose="020B0604020202020204" pitchFamily="34" charset="0"/>
+              </a:rPr>
+              <a:t>) */</a:t>
+            </a:r>
+          </a:p>
+          <a:p>
+            <a:pPr algn="just">
+              <a:lnSpc>
+                <a:spcPct val="150000"/>
+              </a:lnSpc>
+            </a:pPr>
+            <a:r>
+              <a:rPr lang="en-US" sz="1800" b="1" i="0" dirty="0">
+                <a:solidFill>
+                  <a:schemeClr val="accent5">
+                    <a:lumMod val="75000"/>
+                  </a:schemeClr>
+                </a:solidFill>
+                <a:effectLst/>
+                <a:latin typeface="Open Sans" panose="020B0604020202020204" pitchFamily="34" charset="0"/>
+              </a:rPr>
+              <a:t>    /* Publish event 2 (to RabbitM</a:t>
+            </a:r>
+            <a:r>
+              <a:rPr lang="en-US" sz="1800" b="1" dirty="0">
+                <a:solidFill>
+                  <a:schemeClr val="accent5">
+                    <a:lumMod val="75000"/>
+                  </a:schemeClr>
+                </a:solidFill>
+                <a:latin typeface="Open Sans" panose="020B0604020202020204" pitchFamily="34" charset="0"/>
+              </a:rPr>
+              <a:t>Q</a:t>
+            </a:r>
+            <a:r>
+              <a:rPr lang="en-US" sz="1800" b="1" i="0" dirty="0">
+                <a:solidFill>
+                  <a:schemeClr val="accent5">
+                    <a:lumMod val="75000"/>
+                  </a:schemeClr>
+                </a:solidFill>
+                <a:effectLst/>
+                <a:latin typeface="Open Sans" panose="020B0604020202020204" pitchFamily="34" charset="0"/>
+              </a:rPr>
+              <a:t>) */</a:t>
+            </a:r>
+          </a:p>
+          <a:p>
+            <a:pPr algn="just">
+              <a:lnSpc>
+                <a:spcPct val="150000"/>
+              </a:lnSpc>
+            </a:pPr>
+            <a:r>
+              <a:rPr lang="en-US" sz="1800" b="1" dirty="0">
+                <a:solidFill>
+                  <a:srgbClr val="FF0000"/>
+                </a:solidFill>
+                <a:latin typeface="Open Sans" panose="020B0604020202020204" pitchFamily="34" charset="0"/>
+              </a:rPr>
+              <a:t>    /* COMMIT database transaction */</a:t>
+            </a:r>
+            <a:endParaRPr lang="en-US" sz="1800" b="1" i="0" dirty="0">
+              <a:solidFill>
+                <a:srgbClr val="FF0000"/>
+              </a:solidFill>
+              <a:effectLst/>
+              <a:latin typeface="Open Sans" panose="020B0604020202020204" pitchFamily="34" charset="0"/>
+            </a:endParaRPr>
+          </a:p>
+          <a:p>
+            <a:pPr algn="just">
+              <a:lnSpc>
+                <a:spcPct val="150000"/>
+              </a:lnSpc>
+            </a:pPr>
+            <a:r>
+              <a:rPr lang="en-US" sz="1800" b="0" i="0" dirty="0">
+                <a:solidFill>
+                  <a:schemeClr val="tx1">
+                    <a:lumMod val="75000"/>
+                    <a:lumOff val="25000"/>
+                  </a:schemeClr>
+                </a:solidFill>
+                <a:effectLst/>
+                <a:latin typeface="Open Sans" panose="020B0604020202020204" pitchFamily="34" charset="0"/>
+              </a:rPr>
+              <a:t>}</a:t>
+            </a:r>
+            <a:endParaRPr lang="tr-TR" sz="1800" b="0" i="0" dirty="0">
+              <a:solidFill>
+                <a:schemeClr val="tx1">
+                  <a:lumMod val="75000"/>
+                  <a:lumOff val="25000"/>
+                </a:schemeClr>
+              </a:solidFill>
+              <a:effectLst/>
+              <a:latin typeface="Open Sans" panose="020B0604020202020204" pitchFamily="34" charset="0"/>
+            </a:endParaRPr>
+          </a:p>
+        </p:txBody>
+      </p:sp>
+    </p:spTree>
+    <p:extLst>
+      <p:ext uri="{BB962C8B-B14F-4D97-AF65-F5344CB8AC3E}">
+        <p14:creationId xmlns:p14="http://schemas.microsoft.com/office/powerpoint/2010/main" val="713938096"/>
+      </p:ext>
+    </p:extLst>
+  </p:cSld>
+  <p:clrMapOvr>
+    <a:masterClrMapping/>
+  </p:clrMapOvr>
+</p:sld>
+</file>
+
+<file path=ppt/slides/slide5.xml><?xml version="1.0" encoding="utf-8"?>
+<p:sld xmlns:a="http://schemas.openxmlformats.org/drawingml/2006/main" xmlns:r="http://schemas.openxmlformats.org/officeDocument/2006/relationships" xmlns:p="http://schemas.openxmlformats.org/presentationml/2006/main">
+  <p:cSld>
+    <p:bg>
+      <p:bgPr>
+        <a:blipFill dpi="0" rotWithShape="1">
+          <a:blip r:embed="rId2">
+            <a:lum/>
+          </a:blip>
+          <a:srcRect/>
+          <a:stretch>
+            <a:fillRect/>
+          </a:stretch>
+        </a:blipFill>
+        <a:effectLst/>
+      </p:bgPr>
+    </p:bg>
+    <p:spTree>
+      <p:nvGrpSpPr>
+        <p:cNvPr id="1" name=""/>
+        <p:cNvGrpSpPr/>
+        <p:nvPr/>
+      </p:nvGrpSpPr>
+      <p:grpSpPr>
+        <a:xfrm>
+          <a:off x="0" y="0"/>
+          <a:ext cx="0" cy="0"/>
+          <a:chOff x="0" y="0"/>
+          <a:chExt cx="0" cy="0"/>
+        </a:xfrm>
+      </p:grpSpPr>
+      <p:sp>
+        <p:nvSpPr>
+          <p:cNvPr id="2" name="Başlık 1">
+            <a:extLst>
+              <a:ext uri="{FF2B5EF4-FFF2-40B4-BE49-F238E27FC236}">
+                <a16:creationId xmlns:a16="http://schemas.microsoft.com/office/drawing/2014/main" id="{FC0E68DA-A67F-4697-854D-AE37C5BA5BFA}"/>
+              </a:ext>
+            </a:extLst>
+          </p:cNvPr>
+          <p:cNvSpPr>
+            <a:spLocks noGrp="1"/>
+          </p:cNvSpPr>
+          <p:nvPr>
+            <p:ph type="ctrTitle"/>
+          </p:nvPr>
+        </p:nvSpPr>
+        <p:spPr>
+          <a:xfrm>
+            <a:off x="952500" y="885825"/>
+            <a:ext cx="10287000" cy="1066800"/>
+          </a:xfrm>
+        </p:spPr>
+        <p:txBody>
+          <a:bodyPr anchor="ctr">
+            <a:normAutofit fontScale="90000"/>
+          </a:bodyPr>
+          <a:lstStyle/>
+          <a:p>
+            <a:pPr algn="l"/>
+            <a:r>
+              <a:rPr lang="en-US" sz="4000" dirty="0">
+                <a:solidFill>
+                  <a:srgbClr val="44013C"/>
+                </a:solidFill>
+                <a:latin typeface="Segoe UI Semibold" panose="020B0702040204020203" pitchFamily="34" charset="0"/>
+                <a:cs typeface="Segoe UI Semibold" panose="020B0702040204020203" pitchFamily="34" charset="0"/>
+              </a:rPr>
+              <a:t>The transaction problem of distributed events</a:t>
+            </a:r>
+            <a:endParaRPr lang="tr-TR" sz="4000" dirty="0">
+              <a:solidFill>
+                <a:srgbClr val="44013C"/>
+              </a:solidFill>
+            </a:endParaRPr>
+          </a:p>
+        </p:txBody>
+      </p:sp>
+      <p:sp>
+        <p:nvSpPr>
+          <p:cNvPr id="4" name="Başlık 1">
+            <a:extLst>
+              <a:ext uri="{FF2B5EF4-FFF2-40B4-BE49-F238E27FC236}">
+                <a16:creationId xmlns:a16="http://schemas.microsoft.com/office/drawing/2014/main" id="{96A1982A-6408-4D1D-8BA5-BE7B17D51BB4}"/>
+              </a:ext>
+            </a:extLst>
+          </p:cNvPr>
+          <p:cNvSpPr txBox="1">
+            <a:spLocks/>
+          </p:cNvSpPr>
+          <p:nvPr/>
+        </p:nvSpPr>
+        <p:spPr>
+          <a:xfrm>
+            <a:off x="952500" y="1952625"/>
+            <a:ext cx="10287000" cy="4286250"/>
+          </a:xfrm>
+          <a:prstGeom prst="rect">
+            <a:avLst/>
+          </a:prstGeom>
+        </p:spPr>
+        <p:txBody>
+          <a:bodyPr vert="horz" lIns="91440" tIns="45720" rIns="91440" bIns="45720" rtlCol="0" anchor="t">
+            <a:noAutofit/>
+          </a:bodyPr>
+          <a:lstStyle>
+            <a:lvl1pPr algn="ctr" defTabSz="914400" rtl="0" eaLnBrk="1" latinLnBrk="0" hangingPunct="1">
+              <a:lnSpc>
+                <a:spcPct val="90000"/>
+              </a:lnSpc>
+              <a:spcBef>
+                <a:spcPct val="0"/>
+              </a:spcBef>
+              <a:buNone/>
+              <a:defRPr sz="6000" kern="1200">
+                <a:solidFill>
+                  <a:schemeClr val="tx1"/>
+                </a:solidFill>
+                <a:latin typeface="+mj-lt"/>
+                <a:ea typeface="+mj-ea"/>
+                <a:cs typeface="+mj-cs"/>
+              </a:defRPr>
+            </a:lvl1pPr>
+          </a:lstStyle>
+          <a:p>
+            <a:pPr algn="just">
+              <a:lnSpc>
+                <a:spcPct val="150000"/>
+              </a:lnSpc>
+            </a:pPr>
+            <a:r>
+              <a:rPr lang="en-US" sz="1800" b="0" i="0" dirty="0">
+                <a:solidFill>
+                  <a:schemeClr val="tx1">
+                    <a:lumMod val="75000"/>
+                    <a:lumOff val="25000"/>
+                  </a:schemeClr>
+                </a:solidFill>
+                <a:effectLst/>
+                <a:latin typeface="Open Sans" panose="020B0604020202020204" pitchFamily="34" charset="0"/>
+              </a:rPr>
+              <a:t>public void </a:t>
+            </a:r>
+            <a:r>
+              <a:rPr lang="en-US" sz="1800" b="0" i="0" dirty="0" err="1">
+                <a:solidFill>
+                  <a:schemeClr val="tx1">
+                    <a:lumMod val="75000"/>
+                    <a:lumOff val="25000"/>
+                  </a:schemeClr>
+                </a:solidFill>
+                <a:effectLst/>
+                <a:latin typeface="Open Sans" panose="020B0604020202020204" pitchFamily="34" charset="0"/>
+              </a:rPr>
+              <a:t>FooAsync</a:t>
+            </a:r>
+            <a:r>
+              <a:rPr lang="en-US" sz="1800" b="0" i="0" dirty="0">
+                <a:solidFill>
+                  <a:schemeClr val="tx1">
+                    <a:lumMod val="75000"/>
+                    <a:lumOff val="25000"/>
+                  </a:schemeClr>
+                </a:solidFill>
+                <a:effectLst/>
+                <a:latin typeface="Open Sans" panose="020B0604020202020204" pitchFamily="34" charset="0"/>
+              </a:rPr>
+              <a:t>()</a:t>
+            </a:r>
+          </a:p>
+          <a:p>
+            <a:pPr algn="just">
+              <a:lnSpc>
+                <a:spcPct val="150000"/>
+              </a:lnSpc>
+            </a:pPr>
+            <a:r>
+              <a:rPr lang="en-US" sz="1800" b="0" i="0" dirty="0">
+                <a:solidFill>
+                  <a:schemeClr val="tx1">
+                    <a:lumMod val="75000"/>
+                    <a:lumOff val="25000"/>
+                  </a:schemeClr>
+                </a:solidFill>
+                <a:effectLst/>
+                <a:latin typeface="Open Sans" panose="020B0604020202020204" pitchFamily="34" charset="0"/>
+              </a:rPr>
+              <a:t>{</a:t>
+            </a:r>
+          </a:p>
+          <a:p>
+            <a:pPr algn="just">
+              <a:lnSpc>
+                <a:spcPct val="150000"/>
+              </a:lnSpc>
+            </a:pPr>
+            <a:r>
+              <a:rPr lang="en-US" sz="1800" b="1" dirty="0">
+                <a:solidFill>
+                  <a:srgbClr val="FF0000"/>
+                </a:solidFill>
+                <a:latin typeface="Open Sans" panose="020B0604020202020204" pitchFamily="34" charset="0"/>
+              </a:rPr>
+              <a:t>    /* BEGIN database transaction */</a:t>
+            </a:r>
+            <a:endParaRPr lang="en-US" sz="1800" b="1" i="0" dirty="0">
+              <a:solidFill>
+                <a:srgbClr val="FF0000"/>
+              </a:solidFill>
+              <a:effectLst/>
+              <a:latin typeface="Open Sans" panose="020B0604020202020204" pitchFamily="34" charset="0"/>
+            </a:endParaRPr>
+          </a:p>
+          <a:p>
+            <a:pPr algn="just">
+              <a:lnSpc>
+                <a:spcPct val="150000"/>
+              </a:lnSpc>
+            </a:pPr>
+            <a:r>
+              <a:rPr lang="en-US" sz="1800" b="1" i="0" dirty="0">
+                <a:solidFill>
+                  <a:schemeClr val="accent6">
+                    <a:lumMod val="75000"/>
+                  </a:schemeClr>
+                </a:solidFill>
+                <a:effectLst/>
+                <a:latin typeface="Open Sans" panose="020B0604020202020204" pitchFamily="34" charset="0"/>
+              </a:rPr>
+              <a:t>    /* Database operation 1 (on SQL Server) */</a:t>
+            </a:r>
+          </a:p>
+          <a:p>
+            <a:pPr algn="just">
+              <a:lnSpc>
+                <a:spcPct val="150000"/>
+              </a:lnSpc>
+            </a:pPr>
+            <a:r>
+              <a:rPr lang="en-US" sz="1800" b="1" i="0" dirty="0">
+                <a:solidFill>
+                  <a:schemeClr val="accent6">
+                    <a:lumMod val="75000"/>
+                  </a:schemeClr>
+                </a:solidFill>
+                <a:effectLst/>
+                <a:latin typeface="Open Sans" panose="020B0604020202020204" pitchFamily="34" charset="0"/>
+              </a:rPr>
+              <a:t>    /* Database operation 2 (on SQL Server) */</a:t>
+            </a:r>
+          </a:p>
+          <a:p>
+            <a:pPr algn="just">
+              <a:lnSpc>
+                <a:spcPct val="150000"/>
+              </a:lnSpc>
+            </a:pPr>
+            <a:r>
+              <a:rPr lang="en-US" sz="1800" b="1" i="0" dirty="0">
+                <a:solidFill>
+                  <a:schemeClr val="accent5">
+                    <a:lumMod val="75000"/>
+                  </a:schemeClr>
+                </a:solidFill>
+                <a:effectLst/>
+                <a:latin typeface="Open Sans" panose="020B0604020202020204" pitchFamily="34" charset="0"/>
+              </a:rPr>
+              <a:t>    /* Save event 1 (to </a:t>
+            </a:r>
+            <a:r>
+              <a:rPr lang="en-US" sz="1800" b="1" i="1" dirty="0">
+                <a:solidFill>
+                  <a:schemeClr val="accent5">
+                    <a:lumMod val="50000"/>
+                  </a:schemeClr>
+                </a:solidFill>
+                <a:effectLst/>
+                <a:latin typeface="Open Sans" panose="020B0604020202020204" pitchFamily="34" charset="0"/>
+              </a:rPr>
+              <a:t>outbox</a:t>
+            </a:r>
+            <a:r>
+              <a:rPr lang="en-US" sz="1800" b="1" i="0" dirty="0">
+                <a:solidFill>
+                  <a:schemeClr val="accent5">
+                    <a:lumMod val="75000"/>
+                  </a:schemeClr>
+                </a:solidFill>
+                <a:effectLst/>
+                <a:latin typeface="Open Sans" panose="020B0604020202020204" pitchFamily="34" charset="0"/>
+              </a:rPr>
+              <a:t> in SQL Server – to the same database) */</a:t>
+            </a:r>
+          </a:p>
+          <a:p>
+            <a:pPr algn="just">
+              <a:lnSpc>
+                <a:spcPct val="150000"/>
+              </a:lnSpc>
+            </a:pPr>
+            <a:r>
+              <a:rPr lang="en-US" sz="1800" b="1" i="0" dirty="0">
+                <a:solidFill>
+                  <a:schemeClr val="accent5">
+                    <a:lumMod val="75000"/>
+                  </a:schemeClr>
+                </a:solidFill>
+                <a:effectLst/>
+                <a:latin typeface="Open Sans" panose="020B0604020202020204" pitchFamily="34" charset="0"/>
+              </a:rPr>
+              <a:t>    /* Save event 2 (to </a:t>
+            </a:r>
+            <a:r>
+              <a:rPr lang="en-US" sz="1800" b="1" i="1" dirty="0">
+                <a:solidFill>
+                  <a:schemeClr val="accent5">
+                    <a:lumMod val="50000"/>
+                  </a:schemeClr>
+                </a:solidFill>
+                <a:effectLst/>
+                <a:latin typeface="Open Sans" panose="020B0604020202020204" pitchFamily="34" charset="0"/>
+              </a:rPr>
+              <a:t>outbox</a:t>
+            </a:r>
+            <a:r>
+              <a:rPr lang="en-US" sz="1800" b="1" i="0" dirty="0">
+                <a:solidFill>
+                  <a:schemeClr val="accent5">
+                    <a:lumMod val="75000"/>
+                  </a:schemeClr>
+                </a:solidFill>
+                <a:effectLst/>
+                <a:latin typeface="Open Sans" panose="020B0604020202020204" pitchFamily="34" charset="0"/>
+              </a:rPr>
+              <a:t> in SQL Server – to the same database) */</a:t>
+            </a:r>
+          </a:p>
+          <a:p>
+            <a:pPr algn="just">
+              <a:lnSpc>
+                <a:spcPct val="150000"/>
+              </a:lnSpc>
+            </a:pPr>
+            <a:r>
+              <a:rPr lang="en-US" sz="1800" b="1" dirty="0">
+                <a:solidFill>
+                  <a:srgbClr val="FF0000"/>
+                </a:solidFill>
+                <a:latin typeface="Open Sans" panose="020B0604020202020204" pitchFamily="34" charset="0"/>
+              </a:rPr>
+              <a:t>    /* COMMIT database transaction */</a:t>
+            </a:r>
+            <a:endParaRPr lang="en-US" sz="1800" b="1" i="0" dirty="0">
+              <a:solidFill>
+                <a:srgbClr val="FF0000"/>
+              </a:solidFill>
+              <a:effectLst/>
+              <a:latin typeface="Open Sans" panose="020B0604020202020204" pitchFamily="34" charset="0"/>
+            </a:endParaRPr>
+          </a:p>
+          <a:p>
+            <a:pPr algn="just">
+              <a:lnSpc>
+                <a:spcPct val="150000"/>
+              </a:lnSpc>
+            </a:pPr>
+            <a:r>
+              <a:rPr lang="en-US" sz="1800" b="0" i="0" dirty="0">
+                <a:solidFill>
+                  <a:schemeClr val="tx1">
+                    <a:lumMod val="75000"/>
+                    <a:lumOff val="25000"/>
+                  </a:schemeClr>
+                </a:solidFill>
+                <a:effectLst/>
+                <a:latin typeface="Open Sans" panose="020B0604020202020204" pitchFamily="34" charset="0"/>
+              </a:rPr>
+              <a:t>}</a:t>
+            </a:r>
+            <a:endParaRPr lang="tr-TR" sz="1800" b="0" i="0" dirty="0">
+              <a:solidFill>
+                <a:schemeClr val="tx1">
+                  <a:lumMod val="75000"/>
+                  <a:lumOff val="25000"/>
+                </a:schemeClr>
+              </a:solidFill>
+              <a:effectLst/>
+              <a:latin typeface="Open Sans" panose="020B0604020202020204" pitchFamily="34" charset="0"/>
+            </a:endParaRPr>
+          </a:p>
+        </p:txBody>
+      </p:sp>
+    </p:spTree>
+    <p:extLst>
+      <p:ext uri="{BB962C8B-B14F-4D97-AF65-F5344CB8AC3E}">
+        <p14:creationId xmlns:p14="http://schemas.microsoft.com/office/powerpoint/2010/main" val="4121043959"/>
+      </p:ext>
+    </p:extLst>
+  </p:cSld>
+  <p:clrMapOvr>
+    <a:masterClrMapping/>
+  </p:clrMapOvr>
+</p:sld>
+</file>
+
+<file path=ppt/slides/slide6.xml><?xml version="1.0" encoding="utf-8"?>
 <p:sld xmlns:a="http://schemas.openxmlformats.org/drawingml/2006/main" xmlns:r="http://schemas.openxmlformats.org/officeDocument/2006/relationships" xmlns:p="http://schemas.openxmlformats.org/presentationml/2006/main">
   <p:cSld>
     <p:bg>
@@ -6553,7 +7100,7 @@
 </p:sld>
 </file>
 
-<file path=ppt/slides/slide4.xml><?xml version="1.0" encoding="utf-8"?>
+<file path=ppt/slides/slide7.xml><?xml version="1.0" encoding="utf-8"?>
 <p:sld xmlns:a="http://schemas.openxmlformats.org/drawingml/2006/main" xmlns:r="http://schemas.openxmlformats.org/officeDocument/2006/relationships" xmlns:p="http://schemas.openxmlformats.org/presentationml/2006/main">
   <p:cSld>
     <p:bg>
@@ -6713,175 +7260,6 @@
     <p:extLst>
       <p:ext uri="{BB962C8B-B14F-4D97-AF65-F5344CB8AC3E}">
         <p14:creationId xmlns:p14="http://schemas.microsoft.com/office/powerpoint/2010/main" val="522496796"/>
-      </p:ext>
-    </p:extLst>
-  </p:cSld>
-  <p:clrMapOvr>
-    <a:masterClrMapping/>
-  </p:clrMapOvr>
-</p:sld>
-</file>
-
-<file path=ppt/slides/slide5.xml><?xml version="1.0" encoding="utf-8"?>
-<p:sld xmlns:a="http://schemas.openxmlformats.org/drawingml/2006/main" xmlns:r="http://schemas.openxmlformats.org/officeDocument/2006/relationships" xmlns:p="http://schemas.openxmlformats.org/presentationml/2006/main">
-  <p:cSld>
-    <p:bg>
-      <p:bgPr>
-        <a:blipFill dpi="0" rotWithShape="1">
-          <a:blip r:embed="rId2">
-            <a:lum/>
-          </a:blip>
-          <a:srcRect/>
-          <a:stretch>
-            <a:fillRect/>
-          </a:stretch>
-        </a:blipFill>
-        <a:effectLst/>
-      </p:bgPr>
-    </p:bg>
-    <p:spTree>
-      <p:nvGrpSpPr>
-        <p:cNvPr id="1" name=""/>
-        <p:cNvGrpSpPr/>
-        <p:nvPr/>
-      </p:nvGrpSpPr>
-      <p:grpSpPr>
-        <a:xfrm>
-          <a:off x="0" y="0"/>
-          <a:ext cx="0" cy="0"/>
-          <a:chOff x="0" y="0"/>
-          <a:chExt cx="0" cy="0"/>
-        </a:xfrm>
-      </p:grpSpPr>
-      <p:sp>
-        <p:nvSpPr>
-          <p:cNvPr id="2" name="Başlık 1">
-            <a:extLst>
-              <a:ext uri="{FF2B5EF4-FFF2-40B4-BE49-F238E27FC236}">
-                <a16:creationId xmlns:a16="http://schemas.microsoft.com/office/drawing/2014/main" id="{FC0E68DA-A67F-4697-854D-AE37C5BA5BFA}"/>
-              </a:ext>
-            </a:extLst>
-          </p:cNvPr>
-          <p:cNvSpPr>
-            <a:spLocks noGrp="1"/>
-          </p:cNvSpPr>
-          <p:nvPr>
-            <p:ph type="ctrTitle"/>
-          </p:nvPr>
-        </p:nvSpPr>
-        <p:spPr>
-          <a:xfrm>
-            <a:off x="952500" y="885825"/>
-            <a:ext cx="10287000" cy="1066800"/>
-          </a:xfrm>
-        </p:spPr>
-        <p:txBody>
-          <a:bodyPr anchor="ctr">
-            <a:normAutofit/>
-          </a:bodyPr>
-          <a:lstStyle/>
-          <a:p>
-            <a:pPr algn="l"/>
-            <a:r>
-              <a:rPr lang="en-US" sz="4000" dirty="0">
-                <a:solidFill>
-                  <a:srgbClr val="44013C"/>
-                </a:solidFill>
-                <a:latin typeface="Segoe UI Semibold" panose="020B0702040204020203" pitchFamily="34" charset="0"/>
-                <a:cs typeface="Segoe UI Semibold" panose="020B0702040204020203" pitchFamily="34" charset="0"/>
-              </a:rPr>
-              <a:t>TODO</a:t>
-            </a:r>
-            <a:endParaRPr lang="tr-TR" sz="4000" dirty="0">
-              <a:solidFill>
-                <a:srgbClr val="44013C"/>
-              </a:solidFill>
-            </a:endParaRPr>
-          </a:p>
-        </p:txBody>
-      </p:sp>
-      <p:sp>
-        <p:nvSpPr>
-          <p:cNvPr id="4" name="Başlık 1">
-            <a:extLst>
-              <a:ext uri="{FF2B5EF4-FFF2-40B4-BE49-F238E27FC236}">
-                <a16:creationId xmlns:a16="http://schemas.microsoft.com/office/drawing/2014/main" id="{96A1982A-6408-4D1D-8BA5-BE7B17D51BB4}"/>
-              </a:ext>
-            </a:extLst>
-          </p:cNvPr>
-          <p:cNvSpPr txBox="1">
-            <a:spLocks/>
-          </p:cNvSpPr>
-          <p:nvPr/>
-        </p:nvSpPr>
-        <p:spPr>
-          <a:xfrm>
-            <a:off x="952500" y="1952625"/>
-            <a:ext cx="10287000" cy="4286250"/>
-          </a:xfrm>
-          <a:prstGeom prst="rect">
-            <a:avLst/>
-          </a:prstGeom>
-        </p:spPr>
-        <p:txBody>
-          <a:bodyPr vert="horz" lIns="91440" tIns="45720" rIns="91440" bIns="45720" rtlCol="0" anchor="t">
-            <a:noAutofit/>
-          </a:bodyPr>
-          <a:lstStyle>
-            <a:lvl1pPr algn="ctr" defTabSz="914400" rtl="0" eaLnBrk="1" latinLnBrk="0" hangingPunct="1">
-              <a:lnSpc>
-                <a:spcPct val="90000"/>
-              </a:lnSpc>
-              <a:spcBef>
-                <a:spcPct val="0"/>
-              </a:spcBef>
-              <a:buNone/>
-              <a:defRPr sz="6000" kern="1200">
-                <a:solidFill>
-                  <a:schemeClr val="tx1"/>
-                </a:solidFill>
-                <a:latin typeface="+mj-lt"/>
-                <a:ea typeface="+mj-ea"/>
-                <a:cs typeface="+mj-cs"/>
-              </a:defRPr>
-            </a:lvl1pPr>
-          </a:lstStyle>
-          <a:p>
-            <a:pPr algn="just">
-              <a:lnSpc>
-                <a:spcPct val="150000"/>
-              </a:lnSpc>
-            </a:pPr>
-            <a:r>
-              <a:rPr lang="en-US" sz="2000" b="0" i="0" dirty="0">
-                <a:solidFill>
-                  <a:schemeClr val="tx1">
-                    <a:lumMod val="75000"/>
-                    <a:lumOff val="25000"/>
-                  </a:schemeClr>
-                </a:solidFill>
-                <a:effectLst/>
-                <a:latin typeface="Open Sans" panose="020B0604020202020204" pitchFamily="34" charset="0"/>
-              </a:rPr>
-              <a:t>…</a:t>
-            </a:r>
-            <a:endParaRPr lang="tr-TR" sz="2000" b="0" i="0" dirty="0">
-              <a:solidFill>
-                <a:schemeClr val="tx1">
-                  <a:lumMod val="75000"/>
-                  <a:lumOff val="25000"/>
-                </a:schemeClr>
-              </a:solidFill>
-              <a:effectLst/>
-              <a:latin typeface="Open Sans" panose="020B0604020202020204" pitchFamily="34" charset="0"/>
-            </a:endParaRPr>
-          </a:p>
-        </p:txBody>
-      </p:sp>
-    </p:spTree>
-    <p:extLst>
-      <p:ext uri="{BB962C8B-B14F-4D97-AF65-F5344CB8AC3E}">
-        <p14:creationId xmlns:p14="http://schemas.microsoft.com/office/powerpoint/2010/main" val="2031981240"/>
       </p:ext>
     </p:extLst>
   </p:cSld>

--- a/2021-12-16 ABP Community Talks/Abp-Framework-Inbox-Outbox.pptx
+++ b/2021-12-16 ABP Community Talks/Abp-Framework-Inbox-Outbox.pptx
@@ -276,7 +276,7 @@
           <a:p>
             <a:fld id="{6E55BB2C-5B2D-4037-B839-55AA2FC69FC2}" type="datetimeFigureOut">
               <a:rPr lang="tr-TR" smtClean="0"/>
-              <a:t>22.11.2021</a:t>
+              <a:t>23.11.2021</a:t>
             </a:fld>
             <a:endParaRPr lang="tr-TR"/>
           </a:p>
@@ -474,7 +474,7 @@
           <a:p>
             <a:fld id="{6E55BB2C-5B2D-4037-B839-55AA2FC69FC2}" type="datetimeFigureOut">
               <a:rPr lang="tr-TR" smtClean="0"/>
-              <a:t>22.11.2021</a:t>
+              <a:t>23.11.2021</a:t>
             </a:fld>
             <a:endParaRPr lang="tr-TR"/>
           </a:p>
@@ -682,7 +682,7 @@
           <a:p>
             <a:fld id="{6E55BB2C-5B2D-4037-B839-55AA2FC69FC2}" type="datetimeFigureOut">
               <a:rPr lang="tr-TR" smtClean="0"/>
-              <a:t>22.11.2021</a:t>
+              <a:t>23.11.2021</a:t>
             </a:fld>
             <a:endParaRPr lang="tr-TR"/>
           </a:p>
@@ -880,7 +880,7 @@
           <a:p>
             <a:fld id="{6E55BB2C-5B2D-4037-B839-55AA2FC69FC2}" type="datetimeFigureOut">
               <a:rPr lang="tr-TR" smtClean="0"/>
-              <a:t>22.11.2021</a:t>
+              <a:t>23.11.2021</a:t>
             </a:fld>
             <a:endParaRPr lang="tr-TR"/>
           </a:p>
@@ -1155,7 +1155,7 @@
           <a:p>
             <a:fld id="{6E55BB2C-5B2D-4037-B839-55AA2FC69FC2}" type="datetimeFigureOut">
               <a:rPr lang="tr-TR" smtClean="0"/>
-              <a:t>22.11.2021</a:t>
+              <a:t>23.11.2021</a:t>
             </a:fld>
             <a:endParaRPr lang="tr-TR"/>
           </a:p>
@@ -1420,7 +1420,7 @@
           <a:p>
             <a:fld id="{6E55BB2C-5B2D-4037-B839-55AA2FC69FC2}" type="datetimeFigureOut">
               <a:rPr lang="tr-TR" smtClean="0"/>
-              <a:t>22.11.2021</a:t>
+              <a:t>23.11.2021</a:t>
             </a:fld>
             <a:endParaRPr lang="tr-TR"/>
           </a:p>
@@ -1832,7 +1832,7 @@
           <a:p>
             <a:fld id="{6E55BB2C-5B2D-4037-B839-55AA2FC69FC2}" type="datetimeFigureOut">
               <a:rPr lang="tr-TR" smtClean="0"/>
-              <a:t>22.11.2021</a:t>
+              <a:t>23.11.2021</a:t>
             </a:fld>
             <a:endParaRPr lang="tr-TR"/>
           </a:p>
@@ -1973,7 +1973,7 @@
           <a:p>
             <a:fld id="{6E55BB2C-5B2D-4037-B839-55AA2FC69FC2}" type="datetimeFigureOut">
               <a:rPr lang="tr-TR" smtClean="0"/>
-              <a:t>22.11.2021</a:t>
+              <a:t>23.11.2021</a:t>
             </a:fld>
             <a:endParaRPr lang="tr-TR"/>
           </a:p>
@@ -2086,7 +2086,7 @@
           <a:p>
             <a:fld id="{6E55BB2C-5B2D-4037-B839-55AA2FC69FC2}" type="datetimeFigureOut">
               <a:rPr lang="tr-TR" smtClean="0"/>
-              <a:t>22.11.2021</a:t>
+              <a:t>23.11.2021</a:t>
             </a:fld>
             <a:endParaRPr lang="tr-TR"/>
           </a:p>
@@ -2397,7 +2397,7 @@
           <a:p>
             <a:fld id="{6E55BB2C-5B2D-4037-B839-55AA2FC69FC2}" type="datetimeFigureOut">
               <a:rPr lang="tr-TR" smtClean="0"/>
-              <a:t>22.11.2021</a:t>
+              <a:t>23.11.2021</a:t>
             </a:fld>
             <a:endParaRPr lang="tr-TR"/>
           </a:p>
@@ -2685,7 +2685,7 @@
           <a:p>
             <a:fld id="{6E55BB2C-5B2D-4037-B839-55AA2FC69FC2}" type="datetimeFigureOut">
               <a:rPr lang="tr-TR" smtClean="0"/>
-              <a:t>22.11.2021</a:t>
+              <a:t>23.11.2021</a:t>
             </a:fld>
             <a:endParaRPr lang="tr-TR"/>
           </a:p>
@@ -2926,7 +2926,7 @@
           <a:p>
             <a:fld id="{6E55BB2C-5B2D-4037-B839-55AA2FC69FC2}" type="datetimeFigureOut">
               <a:rPr lang="tr-TR" smtClean="0"/>
-              <a:t>22.11.2021</a:t>
+              <a:t>23.11.2021</a:t>
             </a:fld>
             <a:endParaRPr lang="tr-TR"/>
           </a:p>
@@ -3398,17 +3398,37 @@
                 <a:latin typeface="Segoe UI Semibold" panose="020B0702040204020203" pitchFamily="34" charset="0"/>
                 <a:cs typeface="Segoe UI Semibold" panose="020B0702040204020203" pitchFamily="34" charset="0"/>
               </a:rPr>
-              <a:t>outbox / inbox patterns for the distributed </a:t>
-            </a:r>
-            <a:r>
-              <a:rPr lang="en-US" sz="5400" dirty="0" err="1">
+              <a:t>outbox / inbox patterns for the </a:t>
+            </a:r>
+            <a:r>
+              <a:rPr lang="en-US" sz="5400">
                 <a:solidFill>
                   <a:schemeClr val="bg1"/>
                 </a:solidFill>
                 <a:latin typeface="Segoe UI Semibold" panose="020B0702040204020203" pitchFamily="34" charset="0"/>
                 <a:cs typeface="Segoe UI Semibold" panose="020B0702040204020203" pitchFamily="34" charset="0"/>
               </a:rPr>
-              <a:t>dvents</a:t>
+              <a:t>distributed </a:t>
+            </a:r>
+            <a:r>
+              <a:rPr lang="en-US" sz="5400" dirty="0">
+                <a:solidFill>
+                  <a:schemeClr val="bg1"/>
+                </a:solidFill>
+                <a:latin typeface="Segoe UI Semibold" panose="020B0702040204020203" pitchFamily="34" charset="0"/>
+                <a:cs typeface="Segoe UI Semibold" panose="020B0702040204020203" pitchFamily="34" charset="0"/>
+              </a:rPr>
+              <a:t>e</a:t>
+            </a:r>
+            <a:r>
+              <a:rPr lang="en-US" sz="5400">
+                <a:solidFill>
+                  <a:schemeClr val="bg1"/>
+                </a:solidFill>
+                <a:latin typeface="Segoe UI Semibold" panose="020B0702040204020203" pitchFamily="34" charset="0"/>
+                <a:cs typeface="Segoe UI Semibold" panose="020B0702040204020203" pitchFamily="34" charset="0"/>
+              </a:rPr>
+              <a:t>vents</a:t>
             </a:r>
             <a:endParaRPr lang="tr-TR" sz="5400" dirty="0">
               <a:solidFill>

--- a/2021-12-16 ABP Community Talks/Abp-Framework-Inbox-Outbox.pptx
+++ b/2021-12-16 ABP Community Talks/Abp-Framework-Inbox-Outbox.pptx
@@ -3398,37 +3398,7 @@
                 <a:latin typeface="Segoe UI Semibold" panose="020B0702040204020203" pitchFamily="34" charset="0"/>
                 <a:cs typeface="Segoe UI Semibold" panose="020B0702040204020203" pitchFamily="34" charset="0"/>
               </a:rPr>
-              <a:t>outbox / inbox patterns for the </a:t>
-            </a:r>
-            <a:r>
-              <a:rPr lang="en-US" sz="5400">
-                <a:solidFill>
-                  <a:schemeClr val="bg1"/>
-                </a:solidFill>
-                <a:latin typeface="Segoe UI Semibold" panose="020B0702040204020203" pitchFamily="34" charset="0"/>
-                <a:cs typeface="Segoe UI Semibold" panose="020B0702040204020203" pitchFamily="34" charset="0"/>
-              </a:rPr>
-              <a:t>distributed </a:t>
-            </a:r>
-            <a:r>
-              <a:rPr lang="en-US" sz="5400" dirty="0">
-                <a:solidFill>
-                  <a:schemeClr val="bg1"/>
-                </a:solidFill>
-                <a:latin typeface="Segoe UI Semibold" panose="020B0702040204020203" pitchFamily="34" charset="0"/>
-                <a:cs typeface="Segoe UI Semibold" panose="020B0702040204020203" pitchFamily="34" charset="0"/>
-              </a:rPr>
-              <a:t>e</a:t>
-            </a:r>
-            <a:r>
-              <a:rPr lang="en-US" sz="5400">
-                <a:solidFill>
-                  <a:schemeClr val="bg1"/>
-                </a:solidFill>
-                <a:latin typeface="Segoe UI Semibold" panose="020B0702040204020203" pitchFamily="34" charset="0"/>
-                <a:cs typeface="Segoe UI Semibold" panose="020B0702040204020203" pitchFamily="34" charset="0"/>
-              </a:rPr>
-              <a:t>vents</a:t>
+              <a:t>outbox / inbox patterns for the distributed events</a:t>
             </a:r>
             <a:endParaRPr lang="tr-TR" sz="5400" dirty="0">
               <a:solidFill>

--- a/2021-12-16 ABP Community Talks/Abp-Framework-Inbox-Outbox.pptx
+++ b/2021-12-16 ABP Community Talks/Abp-Framework-Inbox-Outbox.pptx
@@ -276,7 +276,7 @@
           <a:p>
             <a:fld id="{6E55BB2C-5B2D-4037-B839-55AA2FC69FC2}" type="datetimeFigureOut">
               <a:rPr lang="tr-TR" smtClean="0"/>
-              <a:t>23.11.2021</a:t>
+              <a:t>16.12.2021</a:t>
             </a:fld>
             <a:endParaRPr lang="tr-TR"/>
           </a:p>
@@ -474,7 +474,7 @@
           <a:p>
             <a:fld id="{6E55BB2C-5B2D-4037-B839-55AA2FC69FC2}" type="datetimeFigureOut">
               <a:rPr lang="tr-TR" smtClean="0"/>
-              <a:t>23.11.2021</a:t>
+              <a:t>16.12.2021</a:t>
             </a:fld>
             <a:endParaRPr lang="tr-TR"/>
           </a:p>
@@ -682,7 +682,7 @@
           <a:p>
             <a:fld id="{6E55BB2C-5B2D-4037-B839-55AA2FC69FC2}" type="datetimeFigureOut">
               <a:rPr lang="tr-TR" smtClean="0"/>
-              <a:t>23.11.2021</a:t>
+              <a:t>16.12.2021</a:t>
             </a:fld>
             <a:endParaRPr lang="tr-TR"/>
           </a:p>
@@ -880,7 +880,7 @@
           <a:p>
             <a:fld id="{6E55BB2C-5B2D-4037-B839-55AA2FC69FC2}" type="datetimeFigureOut">
               <a:rPr lang="tr-TR" smtClean="0"/>
-              <a:t>23.11.2021</a:t>
+              <a:t>16.12.2021</a:t>
             </a:fld>
             <a:endParaRPr lang="tr-TR"/>
           </a:p>
@@ -1155,7 +1155,7 @@
           <a:p>
             <a:fld id="{6E55BB2C-5B2D-4037-B839-55AA2FC69FC2}" type="datetimeFigureOut">
               <a:rPr lang="tr-TR" smtClean="0"/>
-              <a:t>23.11.2021</a:t>
+              <a:t>16.12.2021</a:t>
             </a:fld>
             <a:endParaRPr lang="tr-TR"/>
           </a:p>
@@ -1420,7 +1420,7 @@
           <a:p>
             <a:fld id="{6E55BB2C-5B2D-4037-B839-55AA2FC69FC2}" type="datetimeFigureOut">
               <a:rPr lang="tr-TR" smtClean="0"/>
-              <a:t>23.11.2021</a:t>
+              <a:t>16.12.2021</a:t>
             </a:fld>
             <a:endParaRPr lang="tr-TR"/>
           </a:p>
@@ -1832,7 +1832,7 @@
           <a:p>
             <a:fld id="{6E55BB2C-5B2D-4037-B839-55AA2FC69FC2}" type="datetimeFigureOut">
               <a:rPr lang="tr-TR" smtClean="0"/>
-              <a:t>23.11.2021</a:t>
+              <a:t>16.12.2021</a:t>
             </a:fld>
             <a:endParaRPr lang="tr-TR"/>
           </a:p>
@@ -1973,7 +1973,7 @@
           <a:p>
             <a:fld id="{6E55BB2C-5B2D-4037-B839-55AA2FC69FC2}" type="datetimeFigureOut">
               <a:rPr lang="tr-TR" smtClean="0"/>
-              <a:t>23.11.2021</a:t>
+              <a:t>16.12.2021</a:t>
             </a:fld>
             <a:endParaRPr lang="tr-TR"/>
           </a:p>
@@ -2086,7 +2086,7 @@
           <a:p>
             <a:fld id="{6E55BB2C-5B2D-4037-B839-55AA2FC69FC2}" type="datetimeFigureOut">
               <a:rPr lang="tr-TR" smtClean="0"/>
-              <a:t>23.11.2021</a:t>
+              <a:t>16.12.2021</a:t>
             </a:fld>
             <a:endParaRPr lang="tr-TR"/>
           </a:p>
@@ -2397,7 +2397,7 @@
           <a:p>
             <a:fld id="{6E55BB2C-5B2D-4037-B839-55AA2FC69FC2}" type="datetimeFigureOut">
               <a:rPr lang="tr-TR" smtClean="0"/>
-              <a:t>23.11.2021</a:t>
+              <a:t>16.12.2021</a:t>
             </a:fld>
             <a:endParaRPr lang="tr-TR"/>
           </a:p>
@@ -2685,7 +2685,7 @@
           <a:p>
             <a:fld id="{6E55BB2C-5B2D-4037-B839-55AA2FC69FC2}" type="datetimeFigureOut">
               <a:rPr lang="tr-TR" smtClean="0"/>
-              <a:t>23.11.2021</a:t>
+              <a:t>16.12.2021</a:t>
             </a:fld>
             <a:endParaRPr lang="tr-TR"/>
           </a:p>
@@ -2926,7 +2926,7 @@
           <a:p>
             <a:fld id="{6E55BB2C-5B2D-4037-B839-55AA2FC69FC2}" type="datetimeFigureOut">
               <a:rPr lang="tr-TR" smtClean="0"/>
-              <a:t>23.11.2021</a:t>
+              <a:t>16.12.2021</a:t>
             </a:fld>
             <a:endParaRPr lang="tr-TR"/>
           </a:p>
